--- a/PowerPoints/Part1_Azure_Deep_Learning.pptx
+++ b/PowerPoints/Part1_Azure_Deep_Learning.pptx
@@ -6,10 +6,10 @@
     <p:sldMasterId id="2147484229" r:id="rId5"/>
   </p:sldMasterIdLst>
   <p:notesMasterIdLst>
-    <p:notesMasterId r:id="rId20"/>
+    <p:notesMasterId r:id="rId21"/>
   </p:notesMasterIdLst>
   <p:handoutMasterIdLst>
-    <p:handoutMasterId r:id="rId21"/>
+    <p:handoutMasterId r:id="rId22"/>
   </p:handoutMasterIdLst>
   <p:sldIdLst>
     <p:sldId id="1309" r:id="rId6"/>
@@ -19,13 +19,14 @@
     <p:sldId id="1467" r:id="rId10"/>
     <p:sldId id="1465" r:id="rId11"/>
     <p:sldId id="1487" r:id="rId12"/>
-    <p:sldId id="1488" r:id="rId13"/>
-    <p:sldId id="1509" r:id="rId14"/>
-    <p:sldId id="1508" r:id="rId15"/>
-    <p:sldId id="1452" r:id="rId16"/>
-    <p:sldId id="1489" r:id="rId17"/>
-    <p:sldId id="1486" r:id="rId18"/>
-    <p:sldId id="1326" r:id="rId19"/>
+    <p:sldId id="1510" r:id="rId13"/>
+    <p:sldId id="1488" r:id="rId14"/>
+    <p:sldId id="1509" r:id="rId15"/>
+    <p:sldId id="1508" r:id="rId16"/>
+    <p:sldId id="1452" r:id="rId17"/>
+    <p:sldId id="1489" r:id="rId18"/>
+    <p:sldId id="1486" r:id="rId19"/>
+    <p:sldId id="1326" r:id="rId20"/>
   </p:sldIdLst>
   <p:sldSz cx="12436475" cy="6994525"/>
   <p:notesSz cx="6858000" cy="9144000"/>
@@ -136,6 +137,7 @@
             <p14:sldId id="1467"/>
             <p14:sldId id="1465"/>
             <p14:sldId id="1487"/>
+            <p14:sldId id="1510"/>
             <p14:sldId id="1488"/>
             <p14:sldId id="1509"/>
             <p14:sldId id="1508"/>
@@ -279,7 +281,7 @@
               <a:rPr lang="en-US" smtClean="0">
                 <a:latin typeface="Segoe UI" pitchFamily="34" charset="0"/>
               </a:rPr>
-              <a:t>2/17/2017 1:00 PM</a:t>
+              <a:t>2/20/2017 9:34 AM</a:t>
             </a:fld>
             <a:endParaRPr lang="en-US" dirty="0">
               <a:latin typeface="Segoe UI" pitchFamily="34" charset="0"/>
@@ -573,7 +575,7 @@
           <a:p>
             <a:fld id="{38EEC551-8CDA-4EB6-89BB-2A86C9F091C8}" type="datetime8">
               <a:rPr lang="en-US" smtClean="0"/>
-              <a:t>2/17/2017 1:00 PM</a:t>
+              <a:t>2/20/2017 9:33 AM</a:t>
             </a:fld>
             <a:endParaRPr lang="en-US" dirty="0"/>
           </a:p>
@@ -956,7 +958,7 @@
           <a:p>
             <a:fld id="{D46BACC3-97CA-4E5F-AED5-61699BDB7212}" type="datetime8">
               <a:rPr lang="en-US" smtClean="0"/>
-              <a:t>2/17/2017 1:00 PM</a:t>
+              <a:t>2/20/2017 9:33 AM</a:t>
             </a:fld>
             <a:endParaRPr lang="en-US" dirty="0"/>
           </a:p>
@@ -990,6 +992,222 @@
     <p:extLst>
       <p:ext uri="{BB962C8B-B14F-4D97-AF65-F5344CB8AC3E}">
         <p14:creationId xmlns:p14="http://schemas.microsoft.com/office/powerpoint/2010/main" val="2865388468"/>
+      </p:ext>
+    </p:extLst>
+  </p:cSld>
+  <p:clrMapOvr>
+    <a:masterClrMapping/>
+  </p:clrMapOvr>
+</p:notes>
+</file>
+
+<file path=ppt/notesSlides/notesSlide10.xml><?xml version="1.0" encoding="utf-8"?>
+<p:notes xmlns:a="http://schemas.openxmlformats.org/drawingml/2006/main" xmlns:r="http://schemas.openxmlformats.org/officeDocument/2006/relationships" xmlns:p="http://schemas.openxmlformats.org/presentationml/2006/main">
+  <p:cSld>
+    <p:spTree>
+      <p:nvGrpSpPr>
+        <p:cNvPr id="1" name=""/>
+        <p:cNvGrpSpPr/>
+        <p:nvPr/>
+      </p:nvGrpSpPr>
+      <p:grpSpPr>
+        <a:xfrm>
+          <a:off x="0" y="0"/>
+          <a:ext cx="0" cy="0"/>
+          <a:chOff x="0" y="0"/>
+          <a:chExt cx="0" cy="0"/>
+        </a:xfrm>
+      </p:grpSpPr>
+      <p:sp>
+        <p:nvSpPr>
+          <p:cNvPr id="2" name="Slide Image Placeholder 1"/>
+          <p:cNvSpPr>
+            <a:spLocks noGrp="1" noRot="1" noChangeAspect="1"/>
+          </p:cNvSpPr>
+          <p:nvPr>
+            <p:ph type="sldImg"/>
+          </p:nvPr>
+        </p:nvSpPr>
+        <p:spPr>
+          <a:xfrm>
+            <a:off x="381000" y="685800"/>
+            <a:ext cx="6096000" cy="3429000"/>
+          </a:xfrm>
+        </p:spPr>
+      </p:sp>
+      <p:sp>
+        <p:nvSpPr>
+          <p:cNvPr id="3" name="Notes Placeholder 2"/>
+          <p:cNvSpPr>
+            <a:spLocks noGrp="1"/>
+          </p:cNvSpPr>
+          <p:nvPr>
+            <p:ph type="body" idx="1"/>
+          </p:nvPr>
+        </p:nvSpPr>
+        <p:spPr/>
+        <p:txBody>
+          <a:bodyPr>
+            <a:normAutofit/>
+          </a:bodyPr>
+          <a:lstStyle/>
+          <a:p>
+            <a:endParaRPr lang="en-US" dirty="0"/>
+          </a:p>
+        </p:txBody>
+      </p:sp>
+      <p:sp>
+        <p:nvSpPr>
+          <p:cNvPr id="4" name="Header Placeholder 3"/>
+          <p:cNvSpPr>
+            <a:spLocks noGrp="1"/>
+          </p:cNvSpPr>
+          <p:nvPr>
+            <p:ph type="hdr" sz="quarter" idx="10"/>
+          </p:nvPr>
+        </p:nvSpPr>
+        <p:spPr>
+          <a:xfrm>
+            <a:off x="0" y="0"/>
+            <a:ext cx="2971800" cy="457200"/>
+          </a:xfrm>
+          <a:prstGeom prst="rect">
+            <a:avLst/>
+          </a:prstGeom>
+        </p:spPr>
+        <p:txBody>
+          <a:bodyPr/>
+          <a:lstStyle/>
+          <a:p>
+            <a:endParaRPr lang="en-US" dirty="0">
+              <a:solidFill>
+                <a:prstClr val="black"/>
+              </a:solidFill>
+            </a:endParaRPr>
+          </a:p>
+        </p:txBody>
+      </p:sp>
+      <p:sp>
+        <p:nvSpPr>
+          <p:cNvPr id="5" name="Date Placeholder 4"/>
+          <p:cNvSpPr>
+            <a:spLocks noGrp="1"/>
+          </p:cNvSpPr>
+          <p:nvPr>
+            <p:ph type="dt" idx="11"/>
+          </p:nvPr>
+        </p:nvSpPr>
+        <p:spPr/>
+        <p:txBody>
+          <a:bodyPr/>
+          <a:lstStyle/>
+          <a:p>
+            <a:fld id="{8A17D118-1690-458F-B4D2-F9DA5D6F5033}" type="datetime8">
+              <a:rPr lang="en-US" smtClean="0">
+                <a:solidFill>
+                  <a:prstClr val="black"/>
+                </a:solidFill>
+              </a:rPr>
+              <a:t>2/20/2017 9:33 AM</a:t>
+            </a:fld>
+            <a:endParaRPr lang="en-US" dirty="0">
+              <a:solidFill>
+                <a:prstClr val="black"/>
+              </a:solidFill>
+            </a:endParaRPr>
+          </a:p>
+        </p:txBody>
+      </p:sp>
+      <p:sp>
+        <p:nvSpPr>
+          <p:cNvPr id="7" name="Slide Number Placeholder 6"/>
+          <p:cNvSpPr>
+            <a:spLocks noGrp="1"/>
+          </p:cNvSpPr>
+          <p:nvPr>
+            <p:ph type="sldNum" sz="quarter" idx="13"/>
+          </p:nvPr>
+        </p:nvSpPr>
+        <p:spPr/>
+        <p:txBody>
+          <a:bodyPr/>
+          <a:lstStyle/>
+          <a:p>
+            <a:fld id="{EC87E0CF-87F6-4B58-B8B8-DCAB2DAAF3CA}" type="slidenum">
+              <a:rPr lang="en-US" smtClean="0">
+                <a:solidFill>
+                  <a:prstClr val="black"/>
+                </a:solidFill>
+              </a:rPr>
+              <a:pPr/>
+              <a:t>15</a:t>
+            </a:fld>
+            <a:endParaRPr lang="en-US" dirty="0">
+              <a:solidFill>
+                <a:prstClr val="black"/>
+              </a:solidFill>
+            </a:endParaRPr>
+          </a:p>
+        </p:txBody>
+      </p:sp>
+      <p:sp>
+        <p:nvSpPr>
+          <p:cNvPr id="6" name="Footer Placeholder 5"/>
+          <p:cNvSpPr>
+            <a:spLocks noGrp="1"/>
+          </p:cNvSpPr>
+          <p:nvPr>
+            <p:ph type="ftr" sz="quarter" idx="14"/>
+          </p:nvPr>
+        </p:nvSpPr>
+        <p:spPr/>
+        <p:txBody>
+          <a:bodyPr/>
+          <a:lstStyle/>
+          <a:p>
+            <a:pPr defTabSz="914099" eaLnBrk="0" hangingPunct="0"/>
+            <a:r>
+              <a:rPr lang="en-US" sz="400">
+                <a:gradFill>
+                  <a:gsLst>
+                    <a:gs pos="0">
+                      <a:prstClr val="black"/>
+                    </a:gs>
+                    <a:gs pos="100000">
+                      <a:prstClr val="black"/>
+                    </a:gs>
+                  </a:gsLst>
+                  <a:lin ang="5400000" scaled="0"/>
+                </a:gradFill>
+                <a:latin typeface="Segoe UI" pitchFamily="34" charset="0"/>
+                <a:ea typeface="Segoe UI" pitchFamily="34" charset="0"/>
+                <a:cs typeface="Segoe UI" pitchFamily="34" charset="0"/>
+              </a:rPr>
+              <a:t>© 2014 Microsoft Corporation. All rights reserved. MICROSOFT MAKES NO WARRANTIES, EXPRESS, IMPLIED OR STATUTORY, AS TO THE INFORMATION IN THIS PRESENTATION.</a:t>
+            </a:r>
+            <a:endParaRPr lang="en-US" sz="400" dirty="0">
+              <a:gradFill>
+                <a:gsLst>
+                  <a:gs pos="0">
+                    <a:prstClr val="black"/>
+                  </a:gs>
+                  <a:gs pos="100000">
+                    <a:prstClr val="black"/>
+                  </a:gs>
+                </a:gsLst>
+                <a:lin ang="5400000" scaled="0"/>
+              </a:gradFill>
+              <a:latin typeface="Segoe UI" pitchFamily="34" charset="0"/>
+              <a:ea typeface="Segoe UI" pitchFamily="34" charset="0"/>
+              <a:cs typeface="Segoe UI" pitchFamily="34" charset="0"/>
+            </a:endParaRPr>
+          </a:p>
+        </p:txBody>
+      </p:sp>
+    </p:spTree>
+    <p:extLst>
+      <p:ext uri="{BB962C8B-B14F-4D97-AF65-F5344CB8AC3E}">
+        <p14:creationId xmlns:p14="http://schemas.microsoft.com/office/powerpoint/2010/main" val="2861498552"/>
       </p:ext>
     </p:extLst>
   </p:cSld>
@@ -1154,7 +1372,7 @@
           <a:p>
             <a:fld id="{38EEC551-8CDA-4EB6-89BB-2A86C9F091C8}" type="datetime8">
               <a:rPr lang="en-US" smtClean="0"/>
-              <a:t>2/17/2017 1:00 PM</a:t>
+              <a:t>2/20/2017 9:33 AM</a:t>
             </a:fld>
             <a:endParaRPr lang="en-US" dirty="0"/>
           </a:p>
@@ -1335,7 +1553,7 @@
           <a:p>
             <a:fld id="{38EEC551-8CDA-4EB6-89BB-2A86C9F091C8}" type="datetime8">
               <a:rPr lang="en-US" smtClean="0"/>
-              <a:t>2/17/2017 1:00 PM</a:t>
+              <a:t>2/20/2017 9:33 AM</a:t>
             </a:fld>
             <a:endParaRPr lang="en-US" dirty="0"/>
           </a:p>
@@ -1516,7 +1734,7 @@
           <a:p>
             <a:fld id="{38EEC551-8CDA-4EB6-89BB-2A86C9F091C8}" type="datetime8">
               <a:rPr lang="en-US" smtClean="0"/>
-              <a:t>2/17/2017 1:54 PM</a:t>
+              <a:t>2/20/2017 9:33 AM</a:t>
             </a:fld>
             <a:endParaRPr lang="en-US" dirty="0"/>
           </a:p>
@@ -1712,7 +1930,7 @@
           <a:p>
             <a:fld id="{38EEC551-8CDA-4EB6-89BB-2A86C9F091C8}" type="datetime8">
               <a:rPr lang="en-US" smtClean="0"/>
-              <a:t>2/17/2017 3:00 PM</a:t>
+              <a:t>2/20/2017 9:33 AM</a:t>
             </a:fld>
             <a:endParaRPr lang="en-US" dirty="0"/>
           </a:p>
@@ -1893,7 +2111,7 @@
           <a:p>
             <a:fld id="{38EEC551-8CDA-4EB6-89BB-2A86C9F091C8}" type="datetime8">
               <a:rPr lang="en-US" smtClean="0"/>
-              <a:t>2/17/2017 5:24 PM</a:t>
+              <a:t>2/20/2017 9:33 AM</a:t>
             </a:fld>
             <a:endParaRPr lang="en-US" dirty="0"/>
           </a:p>
@@ -1982,34 +2200,19 @@
           <a:p>
             <a:r>
               <a:rPr lang="en-US" dirty="0"/>
-              <a:t>If attendee asks: “How did we go from 15x15 to 7x7 -&gt; Because there is another max pooling layer in the middle which reduces the features to the most important representations just like from the 32x32 did to the 15x15.</a:t>
+              <a:t>Experiences are the raw telemetry data we get from the robot</a:t>
             </a:r>
           </a:p>
           <a:p>
             <a:r>
               <a:rPr lang="en-US" dirty="0"/>
-              <a:t>It is an RGB image, because it is 32x32x3 (the 3 is Red Green Blue)</a:t>
-            </a:r>
-          </a:p>
-          <a:p>
-            <a:endParaRPr lang="en-US" dirty="0"/>
+              <a:t>Intelligence is the improved models we develop based on the data collected from the robot.</a:t>
+            </a:r>
           </a:p>
           <a:p>
             <a:r>
               <a:rPr lang="en-US" dirty="0"/>
-              <a:t>Important Notes:</a:t>
-            </a:r>
-          </a:p>
-          <a:p>
-            <a:r>
-              <a:rPr lang="en-US" dirty="0"/>
-              <a:t>1.  Convolutional Networks takes into account localized patterns and reduces computation through pooling and is therefor faster and more accurate than traditional fully connected networks.</a:t>
-            </a:r>
-          </a:p>
-          <a:p>
-            <a:r>
-              <a:rPr lang="en-US" dirty="0"/>
-              <a:t>2.  Digits makes it so you don’t actually need to know this stuff to get good results.</a:t>
+              <a:t>We repeat as the robots will continue to have more experiences.</a:t>
             </a:r>
           </a:p>
         </p:txBody>
@@ -2029,7 +2232,37 @@
           <a:bodyPr/>
           <a:lstStyle/>
           <a:p>
-            <a:endParaRPr lang="en-US" dirty="0"/>
+            <a:pPr marL="0" marR="0" lvl="0" indent="0" algn="l" defTabSz="932742" rtl="0" eaLnBrk="1" fontAlgn="auto" latinLnBrk="0" hangingPunct="1">
+              <a:lnSpc>
+                <a:spcPct val="100000"/>
+              </a:lnSpc>
+              <a:spcBef>
+                <a:spcPts val="0"/>
+              </a:spcBef>
+              <a:spcAft>
+                <a:spcPts val="0"/>
+              </a:spcAft>
+              <a:buClrTx/>
+              <a:buSzTx/>
+              <a:buFontTx/>
+              <a:buNone/>
+              <a:tabLst/>
+              <a:defRPr/>
+            </a:pPr>
+            <a:endParaRPr kumimoji="0" lang="en-US" sz="1200" b="0" i="0" u="none" strike="noStrike" kern="1200" cap="none" spc="0" normalizeH="0" baseline="0" noProof="0" dirty="0">
+              <a:ln>
+                <a:noFill/>
+              </a:ln>
+              <a:solidFill>
+                <a:prstClr val="black"/>
+              </a:solidFill>
+              <a:effectLst/>
+              <a:uLnTx/>
+              <a:uFillTx/>
+              <a:latin typeface="Segoe UI" pitchFamily="34" charset="0"/>
+              <a:ea typeface="+mn-ea"/>
+              <a:cs typeface="+mn-cs"/>
+            </a:endParaRPr>
           </a:p>
         </p:txBody>
       </p:sp>
@@ -2048,9 +2281,28 @@
           <a:bodyPr/>
           <a:lstStyle/>
           <a:p>
-            <a:pPr defTabSz="914099" eaLnBrk="0" hangingPunct="0"/>
-            <a:r>
-              <a:rPr lang="en-US" sz="400">
+            <a:pPr marL="571500" marR="0" lvl="0" indent="0" algn="l" defTabSz="914099" rtl="0" eaLnBrk="0" fontAlgn="auto" latinLnBrk="0" hangingPunct="0">
+              <a:lnSpc>
+                <a:spcPct val="100000"/>
+              </a:lnSpc>
+              <a:spcBef>
+                <a:spcPts val="0"/>
+              </a:spcBef>
+              <a:spcAft>
+                <a:spcPts val="0"/>
+              </a:spcAft>
+              <a:buClrTx/>
+              <a:buSzTx/>
+              <a:buFontTx/>
+              <a:buNone/>
+              <a:tabLst/>
+              <a:defRPr/>
+            </a:pPr>
+            <a:r>
+              <a:rPr kumimoji="0" lang="en-US" sz="400" b="0" i="0" u="none" strike="noStrike" kern="1200" cap="none" spc="0" normalizeH="0" baseline="0" noProof="0">
+                <a:ln>
+                  <a:noFill/>
+                </a:ln>
                 <a:gradFill>
                   <a:gsLst>
                     <a:gs pos="0">
@@ -2062,13 +2314,19 @@
                   </a:gsLst>
                   <a:lin ang="5400000" scaled="0"/>
                 </a:gradFill>
+                <a:effectLst/>
+                <a:uLnTx/>
+                <a:uFillTx/>
                 <a:latin typeface="Segoe UI" pitchFamily="34" charset="0"/>
                 <a:ea typeface="Segoe UI" pitchFamily="34" charset="0"/>
                 <a:cs typeface="Segoe UI" pitchFamily="34" charset="0"/>
               </a:rPr>
               <a:t>© 2014 Microsoft Corporation. All rights reserved. MICROSOFT MAKES NO WARRANTIES, EXPRESS, IMPLIED OR STATUTORY, AS TO THE INFORMATION IN THIS PRESENTATION.</a:t>
             </a:r>
-            <a:endParaRPr lang="en-US" sz="400" dirty="0">
+            <a:endParaRPr kumimoji="0" lang="en-US" sz="400" b="0" i="0" u="none" strike="noStrike" kern="1200" cap="none" spc="0" normalizeH="0" baseline="0" noProof="0" dirty="0">
+              <a:ln>
+                <a:noFill/>
+              </a:ln>
               <a:gradFill>
                 <a:gsLst>
                   <a:gs pos="0">
@@ -2080,6 +2338,9 @@
                 </a:gsLst>
                 <a:lin ang="5400000" scaled="0"/>
               </a:gradFill>
+              <a:effectLst/>
+              <a:uLnTx/>
+              <a:uFillTx/>
               <a:latin typeface="Segoe UI" pitchFamily="34" charset="0"/>
               <a:ea typeface="Segoe UI" pitchFamily="34" charset="0"/>
               <a:cs typeface="Segoe UI" pitchFamily="34" charset="0"/>
@@ -2102,11 +2363,71 @@
           <a:bodyPr/>
           <a:lstStyle/>
           <a:p>
+            <a:pPr marL="0" marR="0" lvl="0" indent="0" algn="r" defTabSz="932742" rtl="0" eaLnBrk="1" fontAlgn="auto" latinLnBrk="0" hangingPunct="1">
+              <a:lnSpc>
+                <a:spcPct val="100000"/>
+              </a:lnSpc>
+              <a:spcBef>
+                <a:spcPts val="0"/>
+              </a:spcBef>
+              <a:spcAft>
+                <a:spcPts val="0"/>
+              </a:spcAft>
+              <a:buClrTx/>
+              <a:buSzTx/>
+              <a:buFontTx/>
+              <a:buNone/>
+              <a:tabLst/>
+              <a:defRPr/>
+            </a:pPr>
             <a:fld id="{38EEC551-8CDA-4EB6-89BB-2A86C9F091C8}" type="datetime8">
-              <a:rPr lang="en-US" smtClean="0"/>
-              <a:t>2/17/2017 5:59 PM</a:t>
+              <a:rPr kumimoji="0" lang="en-US" sz="1200" b="0" i="0" u="none" strike="noStrike" kern="1200" cap="none" spc="0" normalizeH="0" baseline="0" noProof="0" smtClean="0">
+                <a:ln>
+                  <a:noFill/>
+                </a:ln>
+                <a:solidFill>
+                  <a:prstClr val="black"/>
+                </a:solidFill>
+                <a:effectLst/>
+                <a:uLnTx/>
+                <a:uFillTx/>
+                <a:latin typeface="Segoe UI" pitchFamily="34" charset="0"/>
+                <a:ea typeface="+mn-ea"/>
+                <a:cs typeface="+mn-cs"/>
+              </a:rPr>
+              <a:pPr marL="0" marR="0" lvl="0" indent="0" algn="r" defTabSz="932742" rtl="0" eaLnBrk="1" fontAlgn="auto" latinLnBrk="0" hangingPunct="1">
+                <a:lnSpc>
+                  <a:spcPct val="100000"/>
+                </a:lnSpc>
+                <a:spcBef>
+                  <a:spcPts val="0"/>
+                </a:spcBef>
+                <a:spcAft>
+                  <a:spcPts val="0"/>
+                </a:spcAft>
+                <a:buClrTx/>
+                <a:buSzTx/>
+                <a:buFontTx/>
+                <a:buNone/>
+                <a:tabLst/>
+                <a:defRPr/>
+              </a:pPr>
+              <a:t>2/20/2017 9:34 AM</a:t>
             </a:fld>
-            <a:endParaRPr lang="en-US" dirty="0"/>
+            <a:endParaRPr kumimoji="0" lang="en-US" sz="1200" b="0" i="0" u="none" strike="noStrike" kern="1200" cap="none" spc="0" normalizeH="0" baseline="0" noProof="0" dirty="0">
+              <a:ln>
+                <a:noFill/>
+              </a:ln>
+              <a:solidFill>
+                <a:prstClr val="black"/>
+              </a:solidFill>
+              <a:effectLst/>
+              <a:uLnTx/>
+              <a:uFillTx/>
+              <a:latin typeface="Segoe UI" pitchFamily="34" charset="0"/>
+              <a:ea typeface="+mn-ea"/>
+              <a:cs typeface="+mn-cs"/>
+            </a:endParaRPr>
           </a:p>
         </p:txBody>
       </p:sp>
@@ -2125,19 +2446,78 @@
           <a:bodyPr/>
           <a:lstStyle/>
           <a:p>
+            <a:pPr marL="0" marR="0" lvl="0" indent="0" algn="r" defTabSz="932742" rtl="0" eaLnBrk="1" fontAlgn="auto" latinLnBrk="0" hangingPunct="1">
+              <a:lnSpc>
+                <a:spcPct val="100000"/>
+              </a:lnSpc>
+              <a:spcBef>
+                <a:spcPts val="0"/>
+              </a:spcBef>
+              <a:spcAft>
+                <a:spcPts val="0"/>
+              </a:spcAft>
+              <a:buClrTx/>
+              <a:buSzTx/>
+              <a:buFontTx/>
+              <a:buNone/>
+              <a:tabLst/>
+              <a:defRPr/>
+            </a:pPr>
             <a:fld id="{B4008EB6-D09E-4580-8CD6-DDB14511944F}" type="slidenum">
-              <a:rPr lang="en-US" smtClean="0"/>
-              <a:pPr/>
-              <a:t>9</a:t>
+              <a:rPr kumimoji="0" lang="en-US" sz="1200" b="0" i="0" u="none" strike="noStrike" kern="1200" cap="none" spc="0" normalizeH="0" baseline="0" noProof="0" smtClean="0">
+                <a:ln>
+                  <a:noFill/>
+                </a:ln>
+                <a:solidFill>
+                  <a:prstClr val="black"/>
+                </a:solidFill>
+                <a:effectLst/>
+                <a:uLnTx/>
+                <a:uFillTx/>
+                <a:latin typeface="Segoe UI" pitchFamily="34" charset="0"/>
+                <a:ea typeface="+mn-ea"/>
+                <a:cs typeface="+mn-cs"/>
+              </a:rPr>
+              <a:pPr marL="0" marR="0" lvl="0" indent="0" algn="r" defTabSz="932742" rtl="0" eaLnBrk="1" fontAlgn="auto" latinLnBrk="0" hangingPunct="1">
+                <a:lnSpc>
+                  <a:spcPct val="100000"/>
+                </a:lnSpc>
+                <a:spcBef>
+                  <a:spcPts val="0"/>
+                </a:spcBef>
+                <a:spcAft>
+                  <a:spcPts val="0"/>
+                </a:spcAft>
+                <a:buClrTx/>
+                <a:buSzTx/>
+                <a:buFontTx/>
+                <a:buNone/>
+                <a:tabLst/>
+                <a:defRPr/>
+              </a:pPr>
+              <a:t>8</a:t>
             </a:fld>
-            <a:endParaRPr lang="en-US" dirty="0"/>
+            <a:endParaRPr kumimoji="0" lang="en-US" sz="1200" b="0" i="0" u="none" strike="noStrike" kern="1200" cap="none" spc="0" normalizeH="0" baseline="0" noProof="0" dirty="0">
+              <a:ln>
+                <a:noFill/>
+              </a:ln>
+              <a:solidFill>
+                <a:prstClr val="black"/>
+              </a:solidFill>
+              <a:effectLst/>
+              <a:uLnTx/>
+              <a:uFillTx/>
+              <a:latin typeface="Segoe UI" pitchFamily="34" charset="0"/>
+              <a:ea typeface="+mn-ea"/>
+              <a:cs typeface="+mn-cs"/>
+            </a:endParaRPr>
           </a:p>
         </p:txBody>
       </p:sp>
     </p:spTree>
     <p:extLst>
       <p:ext uri="{BB962C8B-B14F-4D97-AF65-F5344CB8AC3E}">
-        <p14:creationId xmlns:p14="http://schemas.microsoft.com/office/powerpoint/2010/main" val="773132907"/>
+        <p14:creationId xmlns:p14="http://schemas.microsoft.com/office/powerpoint/2010/main" val="3431900196"/>
       </p:ext>
     </p:extLst>
   </p:cSld>
@@ -2193,15 +2573,34 @@
           <a:p>
             <a:r>
               <a:rPr lang="en-US" dirty="0"/>
-              <a:t>Digits uses the </a:t>
-            </a:r>
-            <a:r>
-              <a:rPr lang="en-US" dirty="0" err="1"/>
-              <a:t>Kitti</a:t>
-            </a:r>
+              <a:t>If attendee asks: “How did we go from 15x15 to 7x7 -&gt; Because there is another max pooling layer in the middle which reduces the features to the most important representations just like from the 32x32 did to the 15x15.</a:t>
+            </a:r>
+          </a:p>
+          <a:p>
             <a:r>
               <a:rPr lang="en-US" dirty="0"/>
-              <a:t> format which is built for the Berkley CV center; so many labels are not used in object detection, but rather in more advanced scenarios.</a:t>
+              <a:t>It is an RGB image, because it is 32x32x3 (the 3 is Red Green Blue)</a:t>
+            </a:r>
+          </a:p>
+          <a:p>
+            <a:endParaRPr lang="en-US" dirty="0"/>
+          </a:p>
+          <a:p>
+            <a:r>
+              <a:rPr lang="en-US" dirty="0"/>
+              <a:t>Important Notes:</a:t>
+            </a:r>
+          </a:p>
+          <a:p>
+            <a:r>
+              <a:rPr lang="en-US" dirty="0"/>
+              <a:t>1.  Convolutional Networks takes into account localized patterns and reduces computation through pooling and is therefor faster and more accurate than traditional fully connected networks.</a:t>
+            </a:r>
+          </a:p>
+          <a:p>
+            <a:r>
+              <a:rPr lang="en-US" dirty="0"/>
+              <a:t>2.  Digits makes it so you don’t actually need to know this stuff to get good results.</a:t>
             </a:r>
           </a:p>
         </p:txBody>
@@ -2296,7 +2695,7 @@
           <a:p>
             <a:fld id="{38EEC551-8CDA-4EB6-89BB-2A86C9F091C8}" type="datetime8">
               <a:rPr lang="en-US" smtClean="0"/>
-              <a:t>2/17/2017 6:16 PM</a:t>
+              <a:t>2/20/2017 9:33 AM</a:t>
             </a:fld>
             <a:endParaRPr lang="en-US" dirty="0"/>
           </a:p>
@@ -2320,7 +2719,7 @@
             <a:fld id="{B4008EB6-D09E-4580-8CD6-DDB14511944F}" type="slidenum">
               <a:rPr lang="en-US" smtClean="0"/>
               <a:pPr/>
-              <a:t>12</a:t>
+              <a:t>10</a:t>
             </a:fld>
             <a:endParaRPr lang="en-US" dirty="0"/>
           </a:p>
@@ -2329,7 +2728,7 @@
     </p:spTree>
     <p:extLst>
       <p:ext uri="{BB962C8B-B14F-4D97-AF65-F5344CB8AC3E}">
-        <p14:creationId xmlns:p14="http://schemas.microsoft.com/office/powerpoint/2010/main" val="4218183620"/>
+        <p14:creationId xmlns:p14="http://schemas.microsoft.com/office/powerpoint/2010/main" val="773132907"/>
       </p:ext>
     </p:extLst>
   </p:cSld>
@@ -2366,12 +2765,7 @@
             <p:ph type="sldImg"/>
           </p:nvPr>
         </p:nvSpPr>
-        <p:spPr>
-          <a:xfrm>
-            <a:off x="381000" y="685800"/>
-            <a:ext cx="6096000" cy="3429000"/>
-          </a:xfrm>
-        </p:spPr>
+        <p:spPr/>
       </p:sp>
       <p:sp>
         <p:nvSpPr>
@@ -2385,12 +2779,21 @@
         </p:nvSpPr>
         <p:spPr/>
         <p:txBody>
-          <a:bodyPr>
-            <a:normAutofit/>
-          </a:bodyPr>
+          <a:bodyPr/>
           <a:lstStyle/>
           <a:p>
-            <a:endParaRPr lang="en-US" dirty="0"/>
+            <a:r>
+              <a:rPr lang="en-US" dirty="0"/>
+              <a:t>Digits uses the </a:t>
+            </a:r>
+            <a:r>
+              <a:rPr lang="en-US" dirty="0" err="1"/>
+              <a:t>Kitti</a:t>
+            </a:r>
+            <a:r>
+              <a:rPr lang="en-US" dirty="0"/>
+              <a:t> format which is built for the Berkley CV center; so many labels are not used in object detection, but rather in more advanced scenarios.</a:t>
+            </a:r>
           </a:p>
         </p:txBody>
       </p:sp>
@@ -2404,98 +2807,23 @@
             <p:ph type="hdr" sz="quarter" idx="10"/>
           </p:nvPr>
         </p:nvSpPr>
-        <p:spPr>
-          <a:xfrm>
-            <a:off x="0" y="0"/>
-            <a:ext cx="2971800" cy="457200"/>
-          </a:xfrm>
-          <a:prstGeom prst="rect">
-            <a:avLst/>
-          </a:prstGeom>
-        </p:spPr>
+        <p:spPr/>
         <p:txBody>
           <a:bodyPr/>
           <a:lstStyle/>
           <a:p>
-            <a:endParaRPr lang="en-US" dirty="0">
-              <a:solidFill>
-                <a:prstClr val="black"/>
-              </a:solidFill>
-            </a:endParaRPr>
-          </a:p>
-        </p:txBody>
-      </p:sp>
-      <p:sp>
-        <p:nvSpPr>
-          <p:cNvPr id="5" name="Date Placeholder 4"/>
+            <a:endParaRPr lang="en-US" dirty="0"/>
+          </a:p>
+        </p:txBody>
+      </p:sp>
+      <p:sp>
+        <p:nvSpPr>
+          <p:cNvPr id="5" name="Footer Placeholder 4"/>
           <p:cNvSpPr>
             <a:spLocks noGrp="1"/>
           </p:cNvSpPr>
           <p:nvPr>
-            <p:ph type="dt" idx="11"/>
-          </p:nvPr>
-        </p:nvSpPr>
-        <p:spPr/>
-        <p:txBody>
-          <a:bodyPr/>
-          <a:lstStyle/>
-          <a:p>
-            <a:fld id="{8A17D118-1690-458F-B4D2-F9DA5D6F5033}" type="datetime8">
-              <a:rPr lang="en-US" smtClean="0">
-                <a:solidFill>
-                  <a:prstClr val="black"/>
-                </a:solidFill>
-              </a:rPr>
-              <a:t>2/17/2017 1:00 PM</a:t>
-            </a:fld>
-            <a:endParaRPr lang="en-US" dirty="0">
-              <a:solidFill>
-                <a:prstClr val="black"/>
-              </a:solidFill>
-            </a:endParaRPr>
-          </a:p>
-        </p:txBody>
-      </p:sp>
-      <p:sp>
-        <p:nvSpPr>
-          <p:cNvPr id="7" name="Slide Number Placeholder 6"/>
-          <p:cNvSpPr>
-            <a:spLocks noGrp="1"/>
-          </p:cNvSpPr>
-          <p:nvPr>
-            <p:ph type="sldNum" sz="quarter" idx="13"/>
-          </p:nvPr>
-        </p:nvSpPr>
-        <p:spPr/>
-        <p:txBody>
-          <a:bodyPr/>
-          <a:lstStyle/>
-          <a:p>
-            <a:fld id="{EC87E0CF-87F6-4B58-B8B8-DCAB2DAAF3CA}" type="slidenum">
-              <a:rPr lang="en-US" smtClean="0">
-                <a:solidFill>
-                  <a:prstClr val="black"/>
-                </a:solidFill>
-              </a:rPr>
-              <a:pPr/>
-              <a:t>14</a:t>
-            </a:fld>
-            <a:endParaRPr lang="en-US" dirty="0">
-              <a:solidFill>
-                <a:prstClr val="black"/>
-              </a:solidFill>
-            </a:endParaRPr>
-          </a:p>
-        </p:txBody>
-      </p:sp>
-      <p:sp>
-        <p:nvSpPr>
-          <p:cNvPr id="6" name="Footer Placeholder 5"/>
-          <p:cNvSpPr>
-            <a:spLocks noGrp="1"/>
-          </p:cNvSpPr>
-          <p:nvPr>
-            <p:ph type="ftr" sz="quarter" idx="14"/>
+            <p:ph type="ftr" sz="quarter" idx="11"/>
           </p:nvPr>
         </p:nvSpPr>
         <p:spPr/>
@@ -2542,10 +2870,57 @@
           </a:p>
         </p:txBody>
       </p:sp>
+      <p:sp>
+        <p:nvSpPr>
+          <p:cNvPr id="6" name="Date Placeholder 5"/>
+          <p:cNvSpPr>
+            <a:spLocks noGrp="1"/>
+          </p:cNvSpPr>
+          <p:nvPr>
+            <p:ph type="dt" idx="12"/>
+          </p:nvPr>
+        </p:nvSpPr>
+        <p:spPr/>
+        <p:txBody>
+          <a:bodyPr/>
+          <a:lstStyle/>
+          <a:p>
+            <a:fld id="{38EEC551-8CDA-4EB6-89BB-2A86C9F091C8}" type="datetime8">
+              <a:rPr lang="en-US" smtClean="0"/>
+              <a:t>2/20/2017 9:33 AM</a:t>
+            </a:fld>
+            <a:endParaRPr lang="en-US" dirty="0"/>
+          </a:p>
+        </p:txBody>
+      </p:sp>
+      <p:sp>
+        <p:nvSpPr>
+          <p:cNvPr id="7" name="Slide Number Placeholder 6"/>
+          <p:cNvSpPr>
+            <a:spLocks noGrp="1"/>
+          </p:cNvSpPr>
+          <p:nvPr>
+            <p:ph type="sldNum" sz="quarter" idx="13"/>
+          </p:nvPr>
+        </p:nvSpPr>
+        <p:spPr/>
+        <p:txBody>
+          <a:bodyPr/>
+          <a:lstStyle/>
+          <a:p>
+            <a:fld id="{B4008EB6-D09E-4580-8CD6-DDB14511944F}" type="slidenum">
+              <a:rPr lang="en-US" smtClean="0"/>
+              <a:pPr/>
+              <a:t>13</a:t>
+            </a:fld>
+            <a:endParaRPr lang="en-US" dirty="0"/>
+          </a:p>
+        </p:txBody>
+      </p:sp>
     </p:spTree>
     <p:extLst>
       <p:ext uri="{BB962C8B-B14F-4D97-AF65-F5344CB8AC3E}">
-        <p14:creationId xmlns:p14="http://schemas.microsoft.com/office/powerpoint/2010/main" val="2861498552"/>
+        <p14:creationId xmlns:p14="http://schemas.microsoft.com/office/powerpoint/2010/main" val="4218183620"/>
       </p:ext>
     </p:extLst>
   </p:cSld>
@@ -10235,6 +10610,463 @@
       </p:grpSpPr>
       <p:sp>
         <p:nvSpPr>
+          <p:cNvPr id="3" name="Title 2"/>
+          <p:cNvSpPr>
+            <a:spLocks noGrp="1"/>
+          </p:cNvSpPr>
+          <p:nvPr>
+            <p:ph type="title"/>
+          </p:nvPr>
+        </p:nvSpPr>
+        <p:spPr/>
+        <p:txBody>
+          <a:bodyPr/>
+          <a:lstStyle/>
+          <a:p>
+            <a:r>
+              <a:rPr lang="en-US" dirty="0"/>
+              <a:t>Deep Learning – Convolutional Networks</a:t>
+            </a:r>
+          </a:p>
+        </p:txBody>
+      </p:sp>
+      <p:pic>
+        <p:nvPicPr>
+          <p:cNvPr id="4" name="Picture 3"/>
+          <p:cNvPicPr>
+            <a:picLocks noChangeAspect="1"/>
+          </p:cNvPicPr>
+          <p:nvPr/>
+        </p:nvPicPr>
+        <p:blipFill>
+          <a:blip r:embed="rId3"/>
+          <a:stretch>
+            <a:fillRect/>
+          </a:stretch>
+        </p:blipFill>
+        <p:spPr>
+          <a:xfrm>
+            <a:off x="255245" y="1058862"/>
+            <a:ext cx="10591798" cy="4120468"/>
+          </a:xfrm>
+          <a:prstGeom prst="rect">
+            <a:avLst/>
+          </a:prstGeom>
+        </p:spPr>
+      </p:pic>
+      <p:sp>
+        <p:nvSpPr>
+          <p:cNvPr id="11" name="TextBox 10"/>
+          <p:cNvSpPr txBox="1"/>
+          <p:nvPr/>
+        </p:nvSpPr>
+        <p:spPr>
+          <a:xfrm rot="19818136">
+            <a:off x="-210315" y="5325426"/>
+            <a:ext cx="2485617" cy="517065"/>
+          </a:xfrm>
+          <a:prstGeom prst="rect">
+            <a:avLst/>
+          </a:prstGeom>
+          <a:noFill/>
+        </p:spPr>
+        <p:txBody>
+          <a:bodyPr wrap="none" lIns="182880" tIns="146304" rIns="182880" bIns="146304" rtlCol="0">
+            <a:spAutoFit/>
+          </a:bodyPr>
+          <a:lstStyle/>
+          <a:p>
+            <a:pPr>
+              <a:lnSpc>
+                <a:spcPct val="90000"/>
+              </a:lnSpc>
+              <a:spcAft>
+                <a:spcPts val="600"/>
+              </a:spcAft>
+            </a:pPr>
+            <a:r>
+              <a:rPr lang="en-US" sz="1600" dirty="0">
+                <a:gradFill>
+                  <a:gsLst>
+                    <a:gs pos="2917">
+                      <a:schemeClr val="tx1"/>
+                    </a:gs>
+                    <a:gs pos="30000">
+                      <a:schemeClr val="tx1"/>
+                    </a:gs>
+                  </a:gsLst>
+                  <a:lin ang="5400000" scaled="0"/>
+                </a:gradFill>
+              </a:rPr>
+              <a:t>32x32 RGB Image input</a:t>
+            </a:r>
+          </a:p>
+        </p:txBody>
+      </p:sp>
+      <p:sp>
+        <p:nvSpPr>
+          <p:cNvPr id="13" name="TextBox 12"/>
+          <p:cNvSpPr txBox="1"/>
+          <p:nvPr/>
+        </p:nvSpPr>
+        <p:spPr>
+          <a:xfrm rot="19818136">
+            <a:off x="1723890" y="5417936"/>
+            <a:ext cx="2468689" cy="517065"/>
+          </a:xfrm>
+          <a:prstGeom prst="rect">
+            <a:avLst/>
+          </a:prstGeom>
+          <a:noFill/>
+        </p:spPr>
+        <p:txBody>
+          <a:bodyPr wrap="none" lIns="182880" tIns="146304" rIns="182880" bIns="146304" rtlCol="0">
+            <a:spAutoFit/>
+          </a:bodyPr>
+          <a:lstStyle/>
+          <a:p>
+            <a:pPr>
+              <a:lnSpc>
+                <a:spcPct val="90000"/>
+              </a:lnSpc>
+              <a:spcAft>
+                <a:spcPts val="600"/>
+              </a:spcAft>
+            </a:pPr>
+            <a:r>
+              <a:rPr lang="en-US" sz="1600" dirty="0">
+                <a:gradFill>
+                  <a:gsLst>
+                    <a:gs pos="2917">
+                      <a:schemeClr val="tx1"/>
+                    </a:gs>
+                    <a:gs pos="30000">
+                      <a:schemeClr val="tx1"/>
+                    </a:gs>
+                  </a:gsLst>
+                  <a:lin ang="5400000" scaled="0"/>
+                </a:gradFill>
+              </a:rPr>
+              <a:t>32 5x5 features created</a:t>
+            </a:r>
+          </a:p>
+        </p:txBody>
+      </p:sp>
+      <p:sp>
+        <p:nvSpPr>
+          <p:cNvPr id="14" name="TextBox 13"/>
+          <p:cNvSpPr txBox="1"/>
+          <p:nvPr/>
+        </p:nvSpPr>
+        <p:spPr>
+          <a:xfrm rot="19818136">
+            <a:off x="4181313" y="4999384"/>
+            <a:ext cx="2729465" cy="815608"/>
+          </a:xfrm>
+          <a:prstGeom prst="rect">
+            <a:avLst/>
+          </a:prstGeom>
+          <a:noFill/>
+        </p:spPr>
+        <p:txBody>
+          <a:bodyPr wrap="none" lIns="182880" tIns="146304" rIns="182880" bIns="146304" rtlCol="0">
+            <a:spAutoFit/>
+          </a:bodyPr>
+          <a:lstStyle/>
+          <a:p>
+            <a:pPr>
+              <a:lnSpc>
+                <a:spcPct val="90000"/>
+              </a:lnSpc>
+              <a:spcAft>
+                <a:spcPts val="600"/>
+              </a:spcAft>
+            </a:pPr>
+            <a:r>
+              <a:rPr lang="en-US" sz="1600" dirty="0">
+                <a:gradFill>
+                  <a:gsLst>
+                    <a:gs pos="2917">
+                      <a:schemeClr val="tx1"/>
+                    </a:gs>
+                    <a:gs pos="30000">
+                      <a:schemeClr val="tx1"/>
+                    </a:gs>
+                  </a:gsLst>
+                  <a:lin ang="5400000" scaled="0"/>
+                </a:gradFill>
+              </a:rPr>
+              <a:t>Reduced features to most</a:t>
+            </a:r>
+          </a:p>
+          <a:p>
+            <a:pPr>
+              <a:lnSpc>
+                <a:spcPct val="90000"/>
+              </a:lnSpc>
+              <a:spcAft>
+                <a:spcPts val="600"/>
+              </a:spcAft>
+            </a:pPr>
+            <a:r>
+              <a:rPr lang="en-US" sz="1600" dirty="0">
+                <a:gradFill>
+                  <a:gsLst>
+                    <a:gs pos="2917">
+                      <a:schemeClr val="tx1"/>
+                    </a:gs>
+                    <a:gs pos="30000">
+                      <a:schemeClr val="tx1"/>
+                    </a:gs>
+                  </a:gsLst>
+                  <a:lin ang="5400000" scaled="0"/>
+                </a:gradFill>
+              </a:rPr>
+              <a:t>Important representations</a:t>
+            </a:r>
+          </a:p>
+        </p:txBody>
+      </p:sp>
+      <p:sp>
+        <p:nvSpPr>
+          <p:cNvPr id="15" name="TextBox 14"/>
+          <p:cNvSpPr txBox="1"/>
+          <p:nvPr/>
+        </p:nvSpPr>
+        <p:spPr>
+          <a:xfrm rot="19818136">
+            <a:off x="6336591" y="5230873"/>
+            <a:ext cx="2468689" cy="517065"/>
+          </a:xfrm>
+          <a:prstGeom prst="rect">
+            <a:avLst/>
+          </a:prstGeom>
+          <a:noFill/>
+        </p:spPr>
+        <p:txBody>
+          <a:bodyPr wrap="none" lIns="182880" tIns="146304" rIns="182880" bIns="146304" rtlCol="0">
+            <a:spAutoFit/>
+          </a:bodyPr>
+          <a:lstStyle/>
+          <a:p>
+            <a:pPr>
+              <a:lnSpc>
+                <a:spcPct val="90000"/>
+              </a:lnSpc>
+              <a:spcAft>
+                <a:spcPts val="600"/>
+              </a:spcAft>
+            </a:pPr>
+            <a:r>
+              <a:rPr lang="en-US" sz="1600" dirty="0">
+                <a:gradFill>
+                  <a:gsLst>
+                    <a:gs pos="2917">
+                      <a:schemeClr val="tx1"/>
+                    </a:gs>
+                    <a:gs pos="30000">
+                      <a:schemeClr val="tx1"/>
+                    </a:gs>
+                  </a:gsLst>
+                  <a:lin ang="5400000" scaled="0"/>
+                </a:gradFill>
+              </a:rPr>
+              <a:t>64 5x5 features created</a:t>
+            </a:r>
+          </a:p>
+        </p:txBody>
+      </p:sp>
+      <p:sp>
+        <p:nvSpPr>
+          <p:cNvPr id="16" name="TextBox 15"/>
+          <p:cNvSpPr txBox="1"/>
+          <p:nvPr/>
+        </p:nvSpPr>
+        <p:spPr>
+          <a:xfrm rot="19818136">
+            <a:off x="8514753" y="5227242"/>
+            <a:ext cx="1755930" cy="815608"/>
+          </a:xfrm>
+          <a:prstGeom prst="rect">
+            <a:avLst/>
+          </a:prstGeom>
+          <a:noFill/>
+        </p:spPr>
+        <p:txBody>
+          <a:bodyPr wrap="none" lIns="182880" tIns="146304" rIns="182880" bIns="146304" rtlCol="0">
+            <a:spAutoFit/>
+          </a:bodyPr>
+          <a:lstStyle/>
+          <a:p>
+            <a:pPr>
+              <a:lnSpc>
+                <a:spcPct val="90000"/>
+              </a:lnSpc>
+              <a:spcAft>
+                <a:spcPts val="600"/>
+              </a:spcAft>
+            </a:pPr>
+            <a:r>
+              <a:rPr lang="en-US" sz="1600" dirty="0">
+                <a:gradFill>
+                  <a:gsLst>
+                    <a:gs pos="2917">
+                      <a:schemeClr val="tx1"/>
+                    </a:gs>
+                    <a:gs pos="30000">
+                      <a:schemeClr val="tx1"/>
+                    </a:gs>
+                  </a:gsLst>
+                  <a:lin ang="5400000" scaled="0"/>
+                </a:gradFill>
+              </a:rPr>
+              <a:t>Flatten and mix</a:t>
+            </a:r>
+          </a:p>
+          <a:p>
+            <a:pPr>
+              <a:lnSpc>
+                <a:spcPct val="90000"/>
+              </a:lnSpc>
+              <a:spcAft>
+                <a:spcPts val="600"/>
+              </a:spcAft>
+            </a:pPr>
+            <a:r>
+              <a:rPr lang="en-US" sz="1600" dirty="0">
+                <a:gradFill>
+                  <a:gsLst>
+                    <a:gs pos="2917">
+                      <a:schemeClr val="tx1"/>
+                    </a:gs>
+                    <a:gs pos="30000">
+                      <a:schemeClr val="tx1"/>
+                    </a:gs>
+                  </a:gsLst>
+                  <a:lin ang="5400000" scaled="0"/>
+                </a:gradFill>
+              </a:rPr>
+              <a:t>(</a:t>
+            </a:r>
+            <a:r>
+              <a:rPr lang="en-US" sz="1200" dirty="0">
+                <a:gradFill>
+                  <a:gsLst>
+                    <a:gs pos="2917">
+                      <a:schemeClr val="tx1"/>
+                    </a:gs>
+                    <a:gs pos="30000">
+                      <a:schemeClr val="tx1"/>
+                    </a:gs>
+                  </a:gsLst>
+                  <a:lin ang="5400000" scaled="0"/>
+                </a:gradFill>
+              </a:rPr>
+              <a:t>normal network</a:t>
+            </a:r>
+            <a:r>
+              <a:rPr lang="en-US" sz="1600" dirty="0">
+                <a:gradFill>
+                  <a:gsLst>
+                    <a:gs pos="2917">
+                      <a:schemeClr val="tx1"/>
+                    </a:gs>
+                    <a:gs pos="30000">
+                      <a:schemeClr val="tx1"/>
+                    </a:gs>
+                  </a:gsLst>
+                  <a:lin ang="5400000" scaled="0"/>
+                </a:gradFill>
+              </a:rPr>
+              <a:t>)</a:t>
+            </a:r>
+          </a:p>
+        </p:txBody>
+      </p:sp>
+      <p:sp>
+        <p:nvSpPr>
+          <p:cNvPr id="17" name="TextBox 16"/>
+          <p:cNvSpPr txBox="1"/>
+          <p:nvPr/>
+        </p:nvSpPr>
+        <p:spPr>
+          <a:xfrm>
+            <a:off x="10196672" y="2497485"/>
+            <a:ext cx="1943994" cy="517065"/>
+          </a:xfrm>
+          <a:prstGeom prst="rect">
+            <a:avLst/>
+          </a:prstGeom>
+          <a:noFill/>
+        </p:spPr>
+        <p:txBody>
+          <a:bodyPr wrap="none" lIns="182880" tIns="146304" rIns="182880" bIns="146304" rtlCol="0">
+            <a:spAutoFit/>
+          </a:bodyPr>
+          <a:lstStyle/>
+          <a:p>
+            <a:pPr>
+              <a:lnSpc>
+                <a:spcPct val="90000"/>
+              </a:lnSpc>
+              <a:spcAft>
+                <a:spcPts val="600"/>
+              </a:spcAft>
+            </a:pPr>
+            <a:r>
+              <a:rPr lang="en-US" sz="1600" dirty="0">
+                <a:gradFill>
+                  <a:gsLst>
+                    <a:gs pos="2917">
+                      <a:schemeClr val="tx1"/>
+                    </a:gs>
+                    <a:gs pos="30000">
+                      <a:schemeClr val="tx1"/>
+                    </a:gs>
+                  </a:gsLst>
+                  <a:lin ang="5400000" scaled="0"/>
+                </a:gradFill>
+              </a:rPr>
+              <a:t>Predict 10 classes</a:t>
+            </a:r>
+          </a:p>
+        </p:txBody>
+      </p:sp>
+    </p:spTree>
+    <p:extLst>
+      <p:ext uri="{BB962C8B-B14F-4D97-AF65-F5344CB8AC3E}">
+        <p14:creationId xmlns:p14="http://schemas.microsoft.com/office/powerpoint/2010/main" val="205801246"/>
+      </p:ext>
+    </p:extLst>
+  </p:cSld>
+  <p:clrMapOvr>
+    <a:masterClrMapping/>
+  </p:clrMapOvr>
+  <p:transition>
+    <p:fade/>
+  </p:transition>
+</p:sld>
+</file>
+
+<file path=ppt/slides/slide11.xml><?xml version="1.0" encoding="utf-8"?>
+<p:sld xmlns:a="http://schemas.openxmlformats.org/drawingml/2006/main" xmlns:r="http://schemas.openxmlformats.org/officeDocument/2006/relationships" xmlns:p="http://schemas.openxmlformats.org/presentationml/2006/main">
+  <p:cSld>
+    <p:spTree>
+      <p:nvGrpSpPr>
+        <p:cNvPr id="1" name=""/>
+        <p:cNvGrpSpPr/>
+        <p:nvPr/>
+      </p:nvGrpSpPr>
+      <p:grpSpPr>
+        <a:xfrm>
+          <a:off x="0" y="0"/>
+          <a:ext cx="0" cy="0"/>
+          <a:chOff x="0" y="0"/>
+          <a:chExt cx="0" cy="0"/>
+        </a:xfrm>
+      </p:grpSpPr>
+      <p:sp>
+        <p:nvSpPr>
           <p:cNvPr id="2" name="Text Placeholder 1"/>
           <p:cNvSpPr>
             <a:spLocks noGrp="1"/>
@@ -10365,7 +11197,7 @@
 </p:sld>
 </file>
 
-<file path=ppt/slides/slide11.xml><?xml version="1.0" encoding="utf-8"?>
+<file path=ppt/slides/slide12.xml><?xml version="1.0" encoding="utf-8"?>
 <p:sld xmlns:a="http://schemas.openxmlformats.org/drawingml/2006/main" xmlns:r="http://schemas.openxmlformats.org/officeDocument/2006/relationships" xmlns:p="http://schemas.openxmlformats.org/presentationml/2006/main">
   <p:cSld>
     <p:spTree>
@@ -10541,7 +11373,7 @@
 </p:sld>
 </file>
 
-<file path=ppt/slides/slide12.xml><?xml version="1.0" encoding="utf-8"?>
+<file path=ppt/slides/slide13.xml><?xml version="1.0" encoding="utf-8"?>
 <p:sld xmlns:a="http://schemas.openxmlformats.org/drawingml/2006/main" xmlns:r="http://schemas.openxmlformats.org/officeDocument/2006/relationships" xmlns:p="http://schemas.openxmlformats.org/presentationml/2006/main">
   <p:cSld>
     <p:spTree>
@@ -10648,7 +11480,6 @@
               <a:rPr lang="en-US" dirty="0"/>
               <a:t>Watch Digits work.</a:t>
             </a:r>
-            <a:endParaRPr lang="en-US" dirty="0"/>
           </a:p>
         </p:txBody>
       </p:sp>
@@ -10740,7 +11571,7 @@
 </p:sld>
 </file>
 
-<file path=ppt/slides/slide13.xml><?xml version="1.0" encoding="utf-8"?>
+<file path=ppt/slides/slide14.xml><?xml version="1.0" encoding="utf-8"?>
 <p:sld xmlns:a="http://schemas.openxmlformats.org/drawingml/2006/main" xmlns:r="http://schemas.openxmlformats.org/officeDocument/2006/relationships" xmlns:p="http://schemas.openxmlformats.org/presentationml/2006/main">
   <p:cSld>
     <p:spTree>
@@ -10770,7 +11601,7 @@
         <p:spPr>
           <a:xfrm>
             <a:off x="274639" y="1241426"/>
-            <a:ext cx="5486399" cy="2012859"/>
+            <a:ext cx="5486399" cy="3841052"/>
           </a:xfrm>
         </p:spPr>
         <p:txBody>
@@ -10778,12 +11609,38 @@
           <a:lstStyle/>
           <a:p>
             <a:r>
+              <a:rPr lang="en-US"/>
+              <a:t>Open Q</a:t>
+            </a:r>
+            <a:r>
               <a:rPr lang="en-US" dirty="0"/>
-              <a:t>Q&amp;A </a:t>
+              <a:t>&amp;</a:t>
             </a:r>
             <a:r>
               <a:rPr lang="en-US"/>
-              <a:t>/ Open Lab Time</a:t>
+              <a:t>A </a:t>
+            </a:r>
+            <a:br>
+              <a:rPr lang="en-US"/>
+            </a:br>
+            <a:r>
+              <a:rPr lang="en-US"/>
+              <a:t>---------------</a:t>
+            </a:r>
+            <a:r>
+              <a:rPr lang="en-US"/>
+              <a:t>-</a:t>
+            </a:r>
+            <a:br>
+              <a:rPr lang="en-US"/>
+            </a:br>
+            <a:r>
+              <a:rPr lang="en-US"/>
+              <a:t>Open </a:t>
+            </a:r>
+            <a:r>
+              <a:rPr lang="en-US" dirty="0"/>
+              <a:t>Lab Time</a:t>
             </a:r>
             <a:endParaRPr lang="en-SG" dirty="0"/>
           </a:p>
@@ -10817,7 +11674,7 @@
 </p:sld>
 </file>
 
-<file path=ppt/slides/slide14.xml><?xml version="1.0" encoding="utf-8"?>
+<file path=ppt/slides/slide15.xml><?xml version="1.0" encoding="utf-8"?>
 <p:sld xmlns:a="http://schemas.openxmlformats.org/drawingml/2006/main" xmlns:r="http://schemas.openxmlformats.org/officeDocument/2006/relationships" xmlns:p="http://schemas.openxmlformats.org/presentationml/2006/main">
   <p:cSld>
     <p:spTree>
@@ -14018,79 +14875,616 @@
             <p:ph type="title"/>
           </p:nvPr>
         </p:nvSpPr>
-        <p:spPr/>
+        <p:spPr>
+          <a:xfrm>
+            <a:off x="274639" y="295274"/>
+            <a:ext cx="11889564" cy="917575"/>
+          </a:xfrm>
+        </p:spPr>
         <p:txBody>
           <a:bodyPr/>
           <a:lstStyle/>
           <a:p>
             <a:r>
               <a:rPr lang="en-US" dirty="0"/>
-              <a:t>Image Classification Review</a:t>
-            </a:r>
-          </a:p>
-        </p:txBody>
-      </p:sp>
-      <p:sp>
-        <p:nvSpPr>
-          <p:cNvPr id="5" name="Text Placeholder 4"/>
-          <p:cNvSpPr>
-            <a:spLocks noGrp="1"/>
-          </p:cNvSpPr>
-          <p:nvPr>
-            <p:ph type="body" sz="quarter" idx="10"/>
-          </p:nvPr>
-        </p:nvSpPr>
+              <a:t>The Robot Data Life Cycle (Review it again)</a:t>
+            </a:r>
+            <a:endParaRPr lang="en-SG" dirty="0"/>
+          </a:p>
+        </p:txBody>
+      </p:sp>
+      <p:pic>
+        <p:nvPicPr>
+          <p:cNvPr id="8" name="Picture 2" descr="Image result for robot"/>
+          <p:cNvPicPr>
+            <a:picLocks noChangeAspect="1" noChangeArrowheads="1"/>
+          </p:cNvPicPr>
+          <p:nvPr/>
+        </p:nvPicPr>
+        <p:blipFill>
+          <a:blip r:embed="rId3">
+            <a:extLst>
+              <a:ext uri="{28A0092B-C50C-407E-A947-70E740481C1C}">
+                <a14:useLocalDpi xmlns:a14="http://schemas.microsoft.com/office/drawing/2010/main" val="0"/>
+              </a:ext>
+            </a:extLst>
+          </a:blip>
+          <a:srcRect/>
+          <a:stretch>
+            <a:fillRect/>
+          </a:stretch>
+        </p:blipFill>
+        <p:spPr bwMode="auto">
+          <a:xfrm>
+            <a:off x="2408237" y="4537283"/>
+            <a:ext cx="1981200" cy="1981200"/>
+          </a:xfrm>
+          <a:prstGeom prst="rect">
+            <a:avLst/>
+          </a:prstGeom>
+          <a:noFill/>
+          <a:extLst>
+            <a:ext uri="{909E8E84-426E-40DD-AFC4-6F175D3DCCD1}">
+              <a14:hiddenFill xmlns:a14="http://schemas.microsoft.com/office/drawing/2010/main">
+                <a:solidFill>
+                  <a:srgbClr val="FFFFFF"/>
+                </a:solidFill>
+              </a14:hiddenFill>
+            </a:ext>
+          </a:extLst>
+        </p:spPr>
+      </p:pic>
+      <p:pic>
+        <p:nvPicPr>
+          <p:cNvPr id="9" name="Picture 8"/>
+          <p:cNvPicPr>
+            <a:picLocks noChangeAspect="1"/>
+          </p:cNvPicPr>
+          <p:nvPr/>
+        </p:nvPicPr>
+        <p:blipFill>
+          <a:blip r:embed="rId4"/>
+          <a:stretch>
+            <a:fillRect/>
+          </a:stretch>
+        </p:blipFill>
         <p:spPr>
           <a:xfrm>
-            <a:off x="274638" y="1212850"/>
-            <a:ext cx="11887200" cy="3933384"/>
+            <a:off x="2566435" y="4232483"/>
+            <a:ext cx="1664804" cy="869850"/>
           </a:xfrm>
+          <a:prstGeom prst="rect">
+            <a:avLst/>
+          </a:prstGeom>
         </p:spPr>
-        <p:txBody>
-          <a:bodyPr/>
+      </p:pic>
+      <p:pic>
+        <p:nvPicPr>
+          <p:cNvPr id="10" name="Picture 9"/>
+          <p:cNvPicPr>
+            <a:picLocks noChangeAspect="1"/>
+          </p:cNvPicPr>
+          <p:nvPr/>
+        </p:nvPicPr>
+        <p:blipFill>
+          <a:blip r:embed="rId5"/>
+          <a:stretch>
+            <a:fillRect/>
+          </a:stretch>
+        </p:blipFill>
+        <p:spPr>
+          <a:xfrm rot="12984314">
+            <a:off x="3944686" y="3133881"/>
+            <a:ext cx="603319" cy="1156235"/>
+          </a:xfrm>
+          <a:prstGeom prst="rect">
+            <a:avLst/>
+          </a:prstGeom>
+        </p:spPr>
+      </p:pic>
+      <p:grpSp>
+        <p:nvGrpSpPr>
+          <p:cNvPr id="23" name="Group 22"/>
+          <p:cNvGrpSpPr/>
+          <p:nvPr/>
+        </p:nvGrpSpPr>
+        <p:grpSpPr>
+          <a:xfrm>
+            <a:off x="4389437" y="1338470"/>
+            <a:ext cx="2933698" cy="2006391"/>
+            <a:chOff x="4389437" y="1338470"/>
+            <a:chExt cx="2933698" cy="2006391"/>
+          </a:xfrm>
+        </p:grpSpPr>
+        <p:pic>
+          <p:nvPicPr>
+            <p:cNvPr id="11" name="Picture 10"/>
+            <p:cNvPicPr>
+              <a:picLocks noChangeAspect="1"/>
+            </p:cNvPicPr>
+            <p:nvPr/>
+          </p:nvPicPr>
+          <p:blipFill>
+            <a:blip r:embed="rId6"/>
+            <a:stretch>
+              <a:fillRect/>
+            </a:stretch>
+          </p:blipFill>
+          <p:spPr>
+            <a:xfrm>
+              <a:off x="6446837" y="1338470"/>
+              <a:ext cx="632559" cy="1851838"/>
+            </a:xfrm>
+            <a:prstGeom prst="rect">
+              <a:avLst/>
+            </a:prstGeom>
+          </p:spPr>
+        </p:pic>
+        <p:pic>
+          <p:nvPicPr>
+            <p:cNvPr id="15" name="Picture 14"/>
+            <p:cNvPicPr>
+              <a:picLocks noChangeAspect="1"/>
+            </p:cNvPicPr>
+            <p:nvPr/>
+          </p:nvPicPr>
+          <p:blipFill>
+            <a:blip r:embed="rId7"/>
+            <a:stretch>
+              <a:fillRect/>
+            </a:stretch>
+          </p:blipFill>
+          <p:spPr>
+            <a:xfrm>
+              <a:off x="4541837" y="2103420"/>
+              <a:ext cx="467544" cy="880082"/>
+            </a:xfrm>
+            <a:prstGeom prst="rect">
+              <a:avLst/>
+            </a:prstGeom>
+          </p:spPr>
+        </p:pic>
+        <p:pic>
+          <p:nvPicPr>
+            <p:cNvPr id="16" name="Picture 15"/>
+            <p:cNvPicPr>
+              <a:picLocks noChangeAspect="1"/>
+            </p:cNvPicPr>
+            <p:nvPr/>
+          </p:nvPicPr>
+          <p:blipFill>
+            <a:blip r:embed="rId7"/>
+            <a:stretch>
+              <a:fillRect/>
+            </a:stretch>
+          </p:blipFill>
+          <p:spPr>
+            <a:xfrm>
+              <a:off x="5006906" y="1663379"/>
+              <a:ext cx="467544" cy="880082"/>
+            </a:xfrm>
+            <a:prstGeom prst="rect">
+              <a:avLst/>
+            </a:prstGeom>
+          </p:spPr>
+        </p:pic>
+        <p:pic>
+          <p:nvPicPr>
+            <p:cNvPr id="2050" name="Picture 2" descr="Image result for azure"/>
+            <p:cNvPicPr>
+              <a:picLocks noChangeAspect="1" noChangeArrowheads="1"/>
+            </p:cNvPicPr>
+            <p:nvPr/>
+          </p:nvPicPr>
+          <p:blipFill>
+            <a:blip r:embed="rId8">
+              <a:extLst>
+                <a:ext uri="{28A0092B-C50C-407E-A947-70E740481C1C}">
+                  <a14:useLocalDpi xmlns:a14="http://schemas.microsoft.com/office/drawing/2010/main" val="0"/>
+                </a:ext>
+              </a:extLst>
+            </a:blip>
+            <a:srcRect/>
+            <a:stretch>
+              <a:fillRect/>
+            </a:stretch>
+          </p:blipFill>
+          <p:spPr bwMode="auto">
+            <a:xfrm>
+              <a:off x="4389437" y="1668462"/>
+              <a:ext cx="2933698" cy="1676399"/>
+            </a:xfrm>
+            <a:prstGeom prst="rect">
+              <a:avLst/>
+            </a:prstGeom>
+            <a:noFill/>
+            <a:extLst>
+              <a:ext uri="{909E8E84-426E-40DD-AFC4-6F175D3DCCD1}">
+                <a14:hiddenFill xmlns:a14="http://schemas.microsoft.com/office/drawing/2010/main">
+                  <a:solidFill>
+                    <a:srgbClr val="FFFFFF"/>
+                  </a:solidFill>
+                </a14:hiddenFill>
+              </a:ext>
+            </a:extLst>
+          </p:spPr>
+        </p:pic>
+      </p:grpSp>
+      <p:pic>
+        <p:nvPicPr>
+          <p:cNvPr id="17" name="Picture 2" descr="Image result for robot"/>
+          <p:cNvPicPr>
+            <a:picLocks noChangeAspect="1" noChangeArrowheads="1"/>
+          </p:cNvPicPr>
+          <p:nvPr/>
+        </p:nvPicPr>
+        <p:blipFill>
+          <a:blip r:embed="rId3">
+            <a:extLst>
+              <a:ext uri="{28A0092B-C50C-407E-A947-70E740481C1C}">
+                <a14:useLocalDpi xmlns:a14="http://schemas.microsoft.com/office/drawing/2010/main" val="0"/>
+              </a:ext>
+            </a:extLst>
+          </a:blip>
+          <a:srcRect/>
+          <a:stretch>
+            <a:fillRect/>
+          </a:stretch>
+        </p:blipFill>
+        <p:spPr bwMode="auto">
+          <a:xfrm>
+            <a:off x="7437437" y="4537283"/>
+            <a:ext cx="1981200" cy="1981200"/>
+          </a:xfrm>
+          <a:prstGeom prst="rect">
+            <a:avLst/>
+          </a:prstGeom>
+          <a:noFill/>
+          <a:extLst>
+            <a:ext uri="{909E8E84-426E-40DD-AFC4-6F175D3DCCD1}">
+              <a14:hiddenFill xmlns:a14="http://schemas.microsoft.com/office/drawing/2010/main">
+                <a:solidFill>
+                  <a:srgbClr val="FFFFFF"/>
+                </a:solidFill>
+              </a14:hiddenFill>
+            </a:ext>
+          </a:extLst>
+        </p:spPr>
+      </p:pic>
+      <p:pic>
+        <p:nvPicPr>
+          <p:cNvPr id="18" name="Picture 17"/>
+          <p:cNvPicPr>
+            <a:picLocks noChangeAspect="1"/>
+          </p:cNvPicPr>
+          <p:nvPr/>
+        </p:nvPicPr>
+        <p:blipFill>
+          <a:blip r:embed="rId9"/>
+          <a:stretch>
+            <a:fillRect/>
+          </a:stretch>
+        </p:blipFill>
+        <p:spPr>
+          <a:xfrm rot="18980837">
+            <a:off x="6927626" y="3044145"/>
+            <a:ext cx="791018" cy="1536336"/>
+          </a:xfrm>
+          <a:prstGeom prst="rect">
+            <a:avLst/>
+          </a:prstGeom>
+        </p:spPr>
+      </p:pic>
+      <p:pic>
+        <p:nvPicPr>
+          <p:cNvPr id="19" name="Picture 18"/>
+          <p:cNvPicPr>
+            <a:picLocks noChangeAspect="1"/>
+          </p:cNvPicPr>
+          <p:nvPr/>
+        </p:nvPicPr>
+        <p:blipFill>
+          <a:blip r:embed="rId10"/>
+          <a:stretch>
+            <a:fillRect/>
+          </a:stretch>
+        </p:blipFill>
+        <p:spPr>
+          <a:xfrm>
+            <a:off x="8135897" y="5299283"/>
+            <a:ext cx="434794" cy="455255"/>
+          </a:xfrm>
+          <a:prstGeom prst="rect">
+            <a:avLst/>
+          </a:prstGeom>
+        </p:spPr>
+      </p:pic>
+      <p:sp>
+        <p:nvSpPr>
+          <p:cNvPr id="5" name="Arrow: Left 4"/>
+          <p:cNvSpPr/>
+          <p:nvPr/>
+        </p:nvSpPr>
+        <p:spPr bwMode="auto">
+          <a:xfrm>
+            <a:off x="5087897" y="5411638"/>
+            <a:ext cx="1812477" cy="685800"/>
+          </a:xfrm>
+          <a:prstGeom prst="leftArrow">
+            <a:avLst/>
+          </a:prstGeom>
+          <a:solidFill>
+            <a:schemeClr val="accent1"/>
+          </a:solidFill>
+          <a:ln>
+            <a:noFill/>
+            <a:headEnd type="none" w="med" len="med"/>
+            <a:tailEnd type="none" w="med" len="med"/>
+          </a:ln>
+          <a:effectLst/>
+        </p:spPr>
+        <p:style>
+          <a:lnRef idx="1">
+            <a:schemeClr val="accent2"/>
+          </a:lnRef>
+          <a:fillRef idx="3">
+            <a:schemeClr val="accent2"/>
+          </a:fillRef>
+          <a:effectRef idx="2">
+            <a:schemeClr val="accent2"/>
+          </a:effectRef>
+          <a:fontRef idx="minor">
+            <a:schemeClr val="lt1"/>
+          </a:fontRef>
+        </p:style>
+        <p:txBody>
+          <a:bodyPr rot="0" spcFirstLastPara="0" vertOverflow="overflow" horzOverflow="overflow" vert="horz" wrap="square" lIns="182880" tIns="146304" rIns="182880" bIns="146304" numCol="1" spcCol="0" rtlCol="0" fromWordArt="0" anchor="t" anchorCtr="0" forceAA="0" compatLnSpc="1">
+            <a:prstTxWarp prst="textNoShape">
+              <a:avLst/>
+            </a:prstTxWarp>
+            <a:noAutofit/>
+          </a:bodyPr>
           <a:lstStyle/>
           <a:p>
-            <a:r>
-              <a:rPr lang="en-US" dirty="0"/>
-              <a:t>What is deep learning?</a:t>
-            </a:r>
-          </a:p>
-          <a:p>
-            <a:pPr lvl="1"/>
-            <a:r>
-              <a:rPr lang="en-US" dirty="0"/>
-              <a:t>Why convolutional networks?</a:t>
-            </a:r>
-          </a:p>
-          <a:p>
-            <a:r>
-              <a:rPr lang="en-US" dirty="0"/>
-              <a:t>Creating a database</a:t>
-            </a:r>
-          </a:p>
-          <a:p>
-            <a:pPr lvl="1"/>
-            <a:r>
-              <a:rPr lang="en-US" dirty="0"/>
-              <a:t>Label Files</a:t>
-            </a:r>
-          </a:p>
-          <a:p>
-            <a:r>
-              <a:rPr lang="en-US" dirty="0"/>
-              <a:t>Exploring the data set</a:t>
-            </a:r>
-          </a:p>
-          <a:p>
-            <a:r>
-              <a:rPr lang="en-US" dirty="0"/>
-              <a:t>Creating the model</a:t>
-            </a:r>
-          </a:p>
-          <a:p>
-            <a:r>
-              <a:rPr lang="en-US" dirty="0"/>
-              <a:t>Discussion Points</a:t>
+            <a:pPr marL="0" marR="0" lvl="0" indent="0" algn="ctr" defTabSz="932472" rtl="0" eaLnBrk="1" fontAlgn="base" latinLnBrk="0" hangingPunct="1">
+              <a:lnSpc>
+                <a:spcPct val="90000"/>
+              </a:lnSpc>
+              <a:spcBef>
+                <a:spcPct val="0"/>
+              </a:spcBef>
+              <a:spcAft>
+                <a:spcPct val="0"/>
+              </a:spcAft>
+              <a:buClrTx/>
+              <a:buSzTx/>
+              <a:buFontTx/>
+              <a:buNone/>
+              <a:tabLst/>
+              <a:defRPr/>
+            </a:pPr>
+            <a:endParaRPr kumimoji="0" lang="en-US" sz="2400" b="0" i="0" u="none" strike="noStrike" kern="1200" cap="none" spc="0" normalizeH="0" baseline="0" noProof="0" dirty="0" err="1">
+              <a:ln>
+                <a:noFill/>
+              </a:ln>
+              <a:gradFill>
+                <a:gsLst>
+                  <a:gs pos="0">
+                    <a:srgbClr val="FFFFFF"/>
+                  </a:gs>
+                  <a:gs pos="100000">
+                    <a:srgbClr val="FFFFFF"/>
+                  </a:gs>
+                </a:gsLst>
+                <a:lin ang="5400000" scaled="0"/>
+              </a:gradFill>
+              <a:effectLst/>
+              <a:uLnTx/>
+              <a:uFillTx/>
+              <a:latin typeface="Segoe UI"/>
+              <a:ea typeface="Segoe UI" pitchFamily="34" charset="0"/>
+              <a:cs typeface="Segoe UI" pitchFamily="34" charset="0"/>
+            </a:endParaRPr>
+          </a:p>
+        </p:txBody>
+      </p:sp>
+      <p:sp>
+        <p:nvSpPr>
+          <p:cNvPr id="20" name="TextBox 19"/>
+          <p:cNvSpPr txBox="1"/>
+          <p:nvPr/>
+        </p:nvSpPr>
+        <p:spPr>
+          <a:xfrm>
+            <a:off x="2159415" y="3190308"/>
+            <a:ext cx="1962717" cy="627864"/>
+          </a:xfrm>
+          <a:prstGeom prst="rect">
+            <a:avLst/>
+          </a:prstGeom>
+          <a:noFill/>
+        </p:spPr>
+        <p:txBody>
+          <a:bodyPr wrap="none" lIns="182880" tIns="146304" rIns="182880" bIns="146304" rtlCol="0">
+            <a:spAutoFit/>
+          </a:bodyPr>
+          <a:lstStyle/>
+          <a:p>
+            <a:pPr marL="0" marR="0" lvl="0" indent="0" algn="l" defTabSz="932742" rtl="0" eaLnBrk="1" fontAlgn="auto" latinLnBrk="0" hangingPunct="1">
+              <a:lnSpc>
+                <a:spcPct val="90000"/>
+              </a:lnSpc>
+              <a:spcBef>
+                <a:spcPts val="0"/>
+              </a:spcBef>
+              <a:spcAft>
+                <a:spcPts val="600"/>
+              </a:spcAft>
+              <a:buClrTx/>
+              <a:buSzTx/>
+              <a:buFontTx/>
+              <a:buNone/>
+              <a:tabLst/>
+              <a:defRPr/>
+            </a:pPr>
+            <a:r>
+              <a:rPr kumimoji="0" lang="en-US" sz="2400" b="0" i="0" u="none" strike="noStrike" kern="1200" cap="none" spc="0" normalizeH="0" baseline="0" noProof="0" dirty="0">
+                <a:ln>
+                  <a:noFill/>
+                </a:ln>
+                <a:gradFill>
+                  <a:gsLst>
+                    <a:gs pos="2917">
+                      <a:srgbClr val="505050"/>
+                    </a:gs>
+                    <a:gs pos="30000">
+                      <a:srgbClr val="505050"/>
+                    </a:gs>
+                  </a:gsLst>
+                  <a:lin ang="5400000" scaled="0"/>
+                </a:gradFill>
+                <a:effectLst/>
+                <a:uLnTx/>
+                <a:uFillTx/>
+                <a:latin typeface="Segoe UI"/>
+                <a:ea typeface="+mn-ea"/>
+                <a:cs typeface="+mn-cs"/>
+              </a:rPr>
+              <a:t>experiences</a:t>
+            </a:r>
+          </a:p>
+        </p:txBody>
+      </p:sp>
+      <p:sp>
+        <p:nvSpPr>
+          <p:cNvPr id="21" name="TextBox 20"/>
+          <p:cNvSpPr txBox="1"/>
+          <p:nvPr/>
+        </p:nvSpPr>
+        <p:spPr>
+          <a:xfrm>
+            <a:off x="7607382" y="3251900"/>
+            <a:ext cx="1926618" cy="627864"/>
+          </a:xfrm>
+          <a:prstGeom prst="rect">
+            <a:avLst/>
+          </a:prstGeom>
+          <a:noFill/>
+        </p:spPr>
+        <p:txBody>
+          <a:bodyPr wrap="none" lIns="182880" tIns="146304" rIns="182880" bIns="146304" rtlCol="0">
+            <a:spAutoFit/>
+          </a:bodyPr>
+          <a:lstStyle/>
+          <a:p>
+            <a:pPr marL="0" marR="0" lvl="0" indent="0" algn="l" defTabSz="932742" rtl="0" eaLnBrk="1" fontAlgn="auto" latinLnBrk="0" hangingPunct="1">
+              <a:lnSpc>
+                <a:spcPct val="90000"/>
+              </a:lnSpc>
+              <a:spcBef>
+                <a:spcPts val="0"/>
+              </a:spcBef>
+              <a:spcAft>
+                <a:spcPts val="600"/>
+              </a:spcAft>
+              <a:buClrTx/>
+              <a:buSzTx/>
+              <a:buFontTx/>
+              <a:buNone/>
+              <a:tabLst/>
+              <a:defRPr/>
+            </a:pPr>
+            <a:r>
+              <a:rPr kumimoji="0" lang="en-US" sz="2400" b="0" i="0" u="none" strike="noStrike" kern="1200" cap="none" spc="0" normalizeH="0" baseline="0" noProof="0" dirty="0">
+                <a:ln>
+                  <a:noFill/>
+                </a:ln>
+                <a:gradFill>
+                  <a:gsLst>
+                    <a:gs pos="2917">
+                      <a:srgbClr val="505050"/>
+                    </a:gs>
+                    <a:gs pos="30000">
+                      <a:srgbClr val="505050"/>
+                    </a:gs>
+                  </a:gsLst>
+                  <a:lin ang="5400000" scaled="0"/>
+                </a:gradFill>
+                <a:effectLst/>
+                <a:uLnTx/>
+                <a:uFillTx/>
+                <a:latin typeface="Segoe UI"/>
+                <a:ea typeface="+mn-ea"/>
+                <a:cs typeface="+mn-cs"/>
+              </a:rPr>
+              <a:t>intelligence</a:t>
+            </a:r>
+          </a:p>
+        </p:txBody>
+      </p:sp>
+      <p:sp>
+        <p:nvSpPr>
+          <p:cNvPr id="22" name="TextBox 21"/>
+          <p:cNvSpPr txBox="1"/>
+          <p:nvPr/>
+        </p:nvSpPr>
+        <p:spPr>
+          <a:xfrm>
+            <a:off x="5453852" y="5013804"/>
+            <a:ext cx="1235723" cy="627864"/>
+          </a:xfrm>
+          <a:prstGeom prst="rect">
+            <a:avLst/>
+          </a:prstGeom>
+          <a:noFill/>
+        </p:spPr>
+        <p:txBody>
+          <a:bodyPr wrap="none" lIns="182880" tIns="146304" rIns="182880" bIns="146304" rtlCol="0">
+            <a:spAutoFit/>
+          </a:bodyPr>
+          <a:lstStyle/>
+          <a:p>
+            <a:pPr marL="0" marR="0" lvl="0" indent="0" algn="l" defTabSz="932742" rtl="0" eaLnBrk="1" fontAlgn="auto" latinLnBrk="0" hangingPunct="1">
+              <a:lnSpc>
+                <a:spcPct val="90000"/>
+              </a:lnSpc>
+              <a:spcBef>
+                <a:spcPts val="0"/>
+              </a:spcBef>
+              <a:spcAft>
+                <a:spcPts val="600"/>
+              </a:spcAft>
+              <a:buClrTx/>
+              <a:buSzTx/>
+              <a:buFontTx/>
+              <a:buNone/>
+              <a:tabLst/>
+              <a:defRPr/>
+            </a:pPr>
+            <a:r>
+              <a:rPr kumimoji="0" lang="en-US" sz="2400" b="0" i="0" u="none" strike="noStrike" kern="1200" cap="none" spc="0" normalizeH="0" baseline="0" noProof="0" dirty="0">
+                <a:ln>
+                  <a:noFill/>
+                </a:ln>
+                <a:gradFill>
+                  <a:gsLst>
+                    <a:gs pos="2917">
+                      <a:srgbClr val="505050"/>
+                    </a:gs>
+                    <a:gs pos="30000">
+                      <a:srgbClr val="505050"/>
+                    </a:gs>
+                  </a:gsLst>
+                  <a:lin ang="5400000" scaled="0"/>
+                </a:gradFill>
+                <a:effectLst/>
+                <a:uLnTx/>
+                <a:uFillTx/>
+                <a:latin typeface="Segoe UI"/>
+                <a:ea typeface="+mn-ea"/>
+                <a:cs typeface="+mn-cs"/>
+              </a:rPr>
+              <a:t>repeat</a:t>
             </a:r>
           </a:p>
         </p:txBody>
@@ -14098,7 +15492,7 @@
     </p:spTree>
     <p:extLst>
       <p:ext uri="{BB962C8B-B14F-4D97-AF65-F5344CB8AC3E}">
-        <p14:creationId xmlns:p14="http://schemas.microsoft.com/office/powerpoint/2010/main" val="887226009"/>
+        <p14:creationId xmlns:p14="http://schemas.microsoft.com/office/powerpoint/2010/main" val="2962350316"/>
       </p:ext>
     </p:extLst>
   </p:cSld>
@@ -14145,409 +15539,72 @@
           <a:p>
             <a:r>
               <a:rPr lang="en-US" dirty="0"/>
-              <a:t>Deep Learning – Convolutional Networks</a:t>
-            </a:r>
-          </a:p>
-        </p:txBody>
-      </p:sp>
-      <p:pic>
-        <p:nvPicPr>
-          <p:cNvPr id="4" name="Picture 3"/>
-          <p:cNvPicPr>
-            <a:picLocks noChangeAspect="1"/>
-          </p:cNvPicPr>
-          <p:nvPr/>
-        </p:nvPicPr>
-        <p:blipFill>
-          <a:blip r:embed="rId3"/>
-          <a:stretch>
-            <a:fillRect/>
-          </a:stretch>
-        </p:blipFill>
+              <a:t>Image Classification Review</a:t>
+            </a:r>
+          </a:p>
+        </p:txBody>
+      </p:sp>
+      <p:sp>
+        <p:nvSpPr>
+          <p:cNvPr id="5" name="Text Placeholder 4"/>
+          <p:cNvSpPr>
+            <a:spLocks noGrp="1"/>
+          </p:cNvSpPr>
+          <p:nvPr>
+            <p:ph type="body" sz="quarter" idx="10"/>
+          </p:nvPr>
+        </p:nvSpPr>
         <p:spPr>
           <a:xfrm>
-            <a:off x="255245" y="1058862"/>
-            <a:ext cx="10591798" cy="4120468"/>
+            <a:off x="274638" y="1212850"/>
+            <a:ext cx="11887200" cy="3933384"/>
           </a:xfrm>
-          <a:prstGeom prst="rect">
-            <a:avLst/>
-          </a:prstGeom>
         </p:spPr>
-      </p:pic>
-      <p:sp>
-        <p:nvSpPr>
-          <p:cNvPr id="11" name="TextBox 10"/>
-          <p:cNvSpPr txBox="1"/>
-          <p:nvPr/>
-        </p:nvSpPr>
-        <p:spPr>
-          <a:xfrm rot="19818136">
-            <a:off x="-210315" y="5325426"/>
-            <a:ext cx="2485617" cy="517065"/>
-          </a:xfrm>
-          <a:prstGeom prst="rect">
-            <a:avLst/>
-          </a:prstGeom>
-          <a:noFill/>
-        </p:spPr>
-        <p:txBody>
-          <a:bodyPr wrap="none" lIns="182880" tIns="146304" rIns="182880" bIns="146304" rtlCol="0">
-            <a:spAutoFit/>
-          </a:bodyPr>
+        <p:txBody>
+          <a:bodyPr/>
           <a:lstStyle/>
           <a:p>
-            <a:pPr>
-              <a:lnSpc>
-                <a:spcPct val="90000"/>
-              </a:lnSpc>
-              <a:spcAft>
-                <a:spcPts val="600"/>
-              </a:spcAft>
-            </a:pPr>
-            <a:r>
-              <a:rPr lang="en-US" sz="1600" dirty="0">
-                <a:gradFill>
-                  <a:gsLst>
-                    <a:gs pos="2917">
-                      <a:schemeClr val="tx1"/>
-                    </a:gs>
-                    <a:gs pos="30000">
-                      <a:schemeClr val="tx1"/>
-                    </a:gs>
-                  </a:gsLst>
-                  <a:lin ang="5400000" scaled="0"/>
-                </a:gradFill>
-              </a:rPr>
-              <a:t>32x32 RGB Image input</a:t>
-            </a:r>
-          </a:p>
-        </p:txBody>
-      </p:sp>
-      <p:sp>
-        <p:nvSpPr>
-          <p:cNvPr id="13" name="TextBox 12"/>
-          <p:cNvSpPr txBox="1"/>
-          <p:nvPr/>
-        </p:nvSpPr>
-        <p:spPr>
-          <a:xfrm rot="19818136">
-            <a:off x="1723890" y="5417936"/>
-            <a:ext cx="2468689" cy="517065"/>
-          </a:xfrm>
-          <a:prstGeom prst="rect">
-            <a:avLst/>
-          </a:prstGeom>
-          <a:noFill/>
-        </p:spPr>
-        <p:txBody>
-          <a:bodyPr wrap="none" lIns="182880" tIns="146304" rIns="182880" bIns="146304" rtlCol="0">
-            <a:spAutoFit/>
-          </a:bodyPr>
-          <a:lstStyle/>
-          <a:p>
-            <a:pPr>
-              <a:lnSpc>
-                <a:spcPct val="90000"/>
-              </a:lnSpc>
-              <a:spcAft>
-                <a:spcPts val="600"/>
-              </a:spcAft>
-            </a:pPr>
-            <a:r>
-              <a:rPr lang="en-US" sz="1600" dirty="0">
-                <a:gradFill>
-                  <a:gsLst>
-                    <a:gs pos="2917">
-                      <a:schemeClr val="tx1"/>
-                    </a:gs>
-                    <a:gs pos="30000">
-                      <a:schemeClr val="tx1"/>
-                    </a:gs>
-                  </a:gsLst>
-                  <a:lin ang="5400000" scaled="0"/>
-                </a:gradFill>
-              </a:rPr>
-              <a:t>32 5x5 features created</a:t>
-            </a:r>
-          </a:p>
-        </p:txBody>
-      </p:sp>
-      <p:sp>
-        <p:nvSpPr>
-          <p:cNvPr id="14" name="TextBox 13"/>
-          <p:cNvSpPr txBox="1"/>
-          <p:nvPr/>
-        </p:nvSpPr>
-        <p:spPr>
-          <a:xfrm rot="19818136">
-            <a:off x="4181313" y="4999384"/>
-            <a:ext cx="2729465" cy="815608"/>
-          </a:xfrm>
-          <a:prstGeom prst="rect">
-            <a:avLst/>
-          </a:prstGeom>
-          <a:noFill/>
-        </p:spPr>
-        <p:txBody>
-          <a:bodyPr wrap="none" lIns="182880" tIns="146304" rIns="182880" bIns="146304" rtlCol="0">
-            <a:spAutoFit/>
-          </a:bodyPr>
-          <a:lstStyle/>
-          <a:p>
-            <a:pPr>
-              <a:lnSpc>
-                <a:spcPct val="90000"/>
-              </a:lnSpc>
-              <a:spcAft>
-                <a:spcPts val="600"/>
-              </a:spcAft>
-            </a:pPr>
-            <a:r>
-              <a:rPr lang="en-US" sz="1600" dirty="0">
-                <a:gradFill>
-                  <a:gsLst>
-                    <a:gs pos="2917">
-                      <a:schemeClr val="tx1"/>
-                    </a:gs>
-                    <a:gs pos="30000">
-                      <a:schemeClr val="tx1"/>
-                    </a:gs>
-                  </a:gsLst>
-                  <a:lin ang="5400000" scaled="0"/>
-                </a:gradFill>
-              </a:rPr>
-              <a:t>Reduced features to most</a:t>
-            </a:r>
-          </a:p>
-          <a:p>
-            <a:pPr>
-              <a:lnSpc>
-                <a:spcPct val="90000"/>
-              </a:lnSpc>
-              <a:spcAft>
-                <a:spcPts val="600"/>
-              </a:spcAft>
-            </a:pPr>
-            <a:r>
-              <a:rPr lang="en-US" sz="1600" dirty="0">
-                <a:gradFill>
-                  <a:gsLst>
-                    <a:gs pos="2917">
-                      <a:schemeClr val="tx1"/>
-                    </a:gs>
-                    <a:gs pos="30000">
-                      <a:schemeClr val="tx1"/>
-                    </a:gs>
-                  </a:gsLst>
-                  <a:lin ang="5400000" scaled="0"/>
-                </a:gradFill>
-              </a:rPr>
-              <a:t>Important representations</a:t>
-            </a:r>
-          </a:p>
-        </p:txBody>
-      </p:sp>
-      <p:sp>
-        <p:nvSpPr>
-          <p:cNvPr id="15" name="TextBox 14"/>
-          <p:cNvSpPr txBox="1"/>
-          <p:nvPr/>
-        </p:nvSpPr>
-        <p:spPr>
-          <a:xfrm rot="19818136">
-            <a:off x="6336591" y="5230873"/>
-            <a:ext cx="2468689" cy="517065"/>
-          </a:xfrm>
-          <a:prstGeom prst="rect">
-            <a:avLst/>
-          </a:prstGeom>
-          <a:noFill/>
-        </p:spPr>
-        <p:txBody>
-          <a:bodyPr wrap="none" lIns="182880" tIns="146304" rIns="182880" bIns="146304" rtlCol="0">
-            <a:spAutoFit/>
-          </a:bodyPr>
-          <a:lstStyle/>
-          <a:p>
-            <a:pPr>
-              <a:lnSpc>
-                <a:spcPct val="90000"/>
-              </a:lnSpc>
-              <a:spcAft>
-                <a:spcPts val="600"/>
-              </a:spcAft>
-            </a:pPr>
-            <a:r>
-              <a:rPr lang="en-US" sz="1600" dirty="0">
-                <a:gradFill>
-                  <a:gsLst>
-                    <a:gs pos="2917">
-                      <a:schemeClr val="tx1"/>
-                    </a:gs>
-                    <a:gs pos="30000">
-                      <a:schemeClr val="tx1"/>
-                    </a:gs>
-                  </a:gsLst>
-                  <a:lin ang="5400000" scaled="0"/>
-                </a:gradFill>
-              </a:rPr>
-              <a:t>64 5x5 features created</a:t>
-            </a:r>
-          </a:p>
-        </p:txBody>
-      </p:sp>
-      <p:sp>
-        <p:nvSpPr>
-          <p:cNvPr id="16" name="TextBox 15"/>
-          <p:cNvSpPr txBox="1"/>
-          <p:nvPr/>
-        </p:nvSpPr>
-        <p:spPr>
-          <a:xfrm rot="19818136">
-            <a:off x="8514753" y="5227242"/>
-            <a:ext cx="1755930" cy="815608"/>
-          </a:xfrm>
-          <a:prstGeom prst="rect">
-            <a:avLst/>
-          </a:prstGeom>
-          <a:noFill/>
-        </p:spPr>
-        <p:txBody>
-          <a:bodyPr wrap="none" lIns="182880" tIns="146304" rIns="182880" bIns="146304" rtlCol="0">
-            <a:spAutoFit/>
-          </a:bodyPr>
-          <a:lstStyle/>
-          <a:p>
-            <a:pPr>
-              <a:lnSpc>
-                <a:spcPct val="90000"/>
-              </a:lnSpc>
-              <a:spcAft>
-                <a:spcPts val="600"/>
-              </a:spcAft>
-            </a:pPr>
-            <a:r>
-              <a:rPr lang="en-US" sz="1600" dirty="0">
-                <a:gradFill>
-                  <a:gsLst>
-                    <a:gs pos="2917">
-                      <a:schemeClr val="tx1"/>
-                    </a:gs>
-                    <a:gs pos="30000">
-                      <a:schemeClr val="tx1"/>
-                    </a:gs>
-                  </a:gsLst>
-                  <a:lin ang="5400000" scaled="0"/>
-                </a:gradFill>
-              </a:rPr>
-              <a:t>Flatten and mix</a:t>
-            </a:r>
-          </a:p>
-          <a:p>
-            <a:pPr>
-              <a:lnSpc>
-                <a:spcPct val="90000"/>
-              </a:lnSpc>
-              <a:spcAft>
-                <a:spcPts val="600"/>
-              </a:spcAft>
-            </a:pPr>
-            <a:r>
-              <a:rPr lang="en-US" sz="1600" dirty="0">
-                <a:gradFill>
-                  <a:gsLst>
-                    <a:gs pos="2917">
-                      <a:schemeClr val="tx1"/>
-                    </a:gs>
-                    <a:gs pos="30000">
-                      <a:schemeClr val="tx1"/>
-                    </a:gs>
-                  </a:gsLst>
-                  <a:lin ang="5400000" scaled="0"/>
-                </a:gradFill>
-              </a:rPr>
-              <a:t>(</a:t>
-            </a:r>
-            <a:r>
-              <a:rPr lang="en-US" sz="1200" dirty="0">
-                <a:gradFill>
-                  <a:gsLst>
-                    <a:gs pos="2917">
-                      <a:schemeClr val="tx1"/>
-                    </a:gs>
-                    <a:gs pos="30000">
-                      <a:schemeClr val="tx1"/>
-                    </a:gs>
-                  </a:gsLst>
-                  <a:lin ang="5400000" scaled="0"/>
-                </a:gradFill>
-              </a:rPr>
-              <a:t>normal network</a:t>
-            </a:r>
-            <a:r>
-              <a:rPr lang="en-US" sz="1600" dirty="0">
-                <a:gradFill>
-                  <a:gsLst>
-                    <a:gs pos="2917">
-                      <a:schemeClr val="tx1"/>
-                    </a:gs>
-                    <a:gs pos="30000">
-                      <a:schemeClr val="tx1"/>
-                    </a:gs>
-                  </a:gsLst>
-                  <a:lin ang="5400000" scaled="0"/>
-                </a:gradFill>
-              </a:rPr>
-              <a:t>)</a:t>
-            </a:r>
-          </a:p>
-        </p:txBody>
-      </p:sp>
-      <p:sp>
-        <p:nvSpPr>
-          <p:cNvPr id="17" name="TextBox 16"/>
-          <p:cNvSpPr txBox="1"/>
-          <p:nvPr/>
-        </p:nvSpPr>
-        <p:spPr>
-          <a:xfrm>
-            <a:off x="10196672" y="2497485"/>
-            <a:ext cx="1943994" cy="517065"/>
-          </a:xfrm>
-          <a:prstGeom prst="rect">
-            <a:avLst/>
-          </a:prstGeom>
-          <a:noFill/>
-        </p:spPr>
-        <p:txBody>
-          <a:bodyPr wrap="none" lIns="182880" tIns="146304" rIns="182880" bIns="146304" rtlCol="0">
-            <a:spAutoFit/>
-          </a:bodyPr>
-          <a:lstStyle/>
-          <a:p>
-            <a:pPr>
-              <a:lnSpc>
-                <a:spcPct val="90000"/>
-              </a:lnSpc>
-              <a:spcAft>
-                <a:spcPts val="600"/>
-              </a:spcAft>
-            </a:pPr>
-            <a:r>
-              <a:rPr lang="en-US" sz="1600" dirty="0">
-                <a:gradFill>
-                  <a:gsLst>
-                    <a:gs pos="2917">
-                      <a:schemeClr val="tx1"/>
-                    </a:gs>
-                    <a:gs pos="30000">
-                      <a:schemeClr val="tx1"/>
-                    </a:gs>
-                  </a:gsLst>
-                  <a:lin ang="5400000" scaled="0"/>
-                </a:gradFill>
-              </a:rPr>
-              <a:t>Predict 10 classes</a:t>
+            <a:r>
+              <a:rPr lang="en-US" dirty="0"/>
+              <a:t>What is deep learning?</a:t>
+            </a:r>
+          </a:p>
+          <a:p>
+            <a:pPr lvl="1"/>
+            <a:r>
+              <a:rPr lang="en-US" dirty="0"/>
+              <a:t>Why convolutional networks?</a:t>
+            </a:r>
+          </a:p>
+          <a:p>
+            <a:r>
+              <a:rPr lang="en-US" dirty="0"/>
+              <a:t>Creating a database</a:t>
+            </a:r>
+          </a:p>
+          <a:p>
+            <a:pPr lvl="1"/>
+            <a:r>
+              <a:rPr lang="en-US" dirty="0"/>
+              <a:t>Label Files</a:t>
+            </a:r>
+          </a:p>
+          <a:p>
+            <a:r>
+              <a:rPr lang="en-US" dirty="0"/>
+              <a:t>Exploring the data set</a:t>
+            </a:r>
+          </a:p>
+          <a:p>
+            <a:r>
+              <a:rPr lang="en-US" dirty="0"/>
+              <a:t>Creating the model</a:t>
+            </a:r>
+          </a:p>
+          <a:p>
+            <a:r>
+              <a:rPr lang="en-US" dirty="0"/>
+              <a:t>Discussion Points</a:t>
             </a:r>
           </a:p>
         </p:txBody>
@@ -14555,7 +15612,7 @@
     </p:spTree>
     <p:extLst>
       <p:ext uri="{BB962C8B-B14F-4D97-AF65-F5344CB8AC3E}">
-        <p14:creationId xmlns:p14="http://schemas.microsoft.com/office/powerpoint/2010/main" val="205801246"/>
+        <p14:creationId xmlns:p14="http://schemas.microsoft.com/office/powerpoint/2010/main" val="887226009"/>
       </p:ext>
     </p:extLst>
   </p:cSld>
@@ -15739,21 +16796,6 @@
 </file>
 
 <file path=customXml/item1.xml><?xml version="1.0" encoding="utf-8"?>
-<?mso-contentType ?>
-<FormTemplates xmlns="http://schemas.microsoft.com/sharepoint/v3/contenttype/forms">
-  <Display>DocumentLibraryForm</Display>
-  <Edit>DocumentLibraryForm</Edit>
-  <New>DocumentLibraryForm</New>
-</FormTemplates>
-</file>
-
-<file path=customXml/item2.xml><?xml version="1.0" encoding="utf-8"?>
-<p:properties xmlns:p="http://schemas.microsoft.com/office/2006/metadata/properties" xmlns:xsi="http://www.w3.org/2001/XMLSchema-instance" xmlns:pc="http://schemas.microsoft.com/office/infopath/2007/PartnerControls">
-  <documentManagement/>
-</p:properties>
-</file>
-
-<file path=customXml/item3.xml><?xml version="1.0" encoding="utf-8"?>
 <ct:contentTypeSchema xmlns:ct="http://schemas.microsoft.com/office/2006/metadata/contentType" xmlns:ma="http://schemas.microsoft.com/office/2006/metadata/properties/metaAttributes" ct:_="" ma:_="" ma:contentTypeName="Document" ma:contentTypeID="0x010100A2B0BB5962AB3C45A9A1CE1EC4C4F647" ma:contentTypeVersion="1" ma:contentTypeDescription="Create a new document." ma:contentTypeScope="" ma:versionID="39dd6e28de13981fc99600d481b1de5c">
   <xsd:schema xmlns:xsd="http://www.w3.org/2001/XMLSchema" xmlns:xs="http://www.w3.org/2001/XMLSchema" xmlns:p="http://schemas.microsoft.com/office/2006/metadata/properties" xmlns:ns3="630a2e83-186a-4a0f-ab27-bee8a8096abc" targetNamespace="http://schemas.microsoft.com/office/2006/metadata/properties" ma:root="true" ma:fieldsID="e5a18a002045f9f0e2a3c9cc06ab2675" ns3:_="">
     <xsd:import namespace="630a2e83-186a-4a0f-ab27-bee8a8096abc"/>
@@ -15893,10 +16935,35 @@
 </ct:contentTypeSchema>
 </file>
 
+<file path=customXml/item2.xml><?xml version="1.0" encoding="utf-8"?>
+<p:properties xmlns:p="http://schemas.microsoft.com/office/2006/metadata/properties" xmlns:xsi="http://www.w3.org/2001/XMLSchema-instance" xmlns:pc="http://schemas.microsoft.com/office/infopath/2007/PartnerControls">
+  <documentManagement/>
+</p:properties>
+</file>
+
+<file path=customXml/item3.xml><?xml version="1.0" encoding="utf-8"?>
+<?mso-contentType ?>
+<FormTemplates xmlns="http://schemas.microsoft.com/sharepoint/v3/contenttype/forms">
+  <Display>DocumentLibraryForm</Display>
+  <Edit>DocumentLibraryForm</Edit>
+  <New>DocumentLibraryForm</New>
+</FormTemplates>
+</file>
+
 <file path=customXml/itemProps1.xml><?xml version="1.0" encoding="utf-8"?>
-<ds:datastoreItem xmlns:ds="http://schemas.openxmlformats.org/officeDocument/2006/customXml" ds:itemID="{758FDAC0-319D-4A54-8D8E-1D42CB1F8004}">
+<ds:datastoreItem xmlns:ds="http://schemas.openxmlformats.org/officeDocument/2006/customXml" ds:itemID="{942678F0-6EA3-4F58-92F2-E73D80B53613}">
   <ds:schemaRefs>
-    <ds:schemaRef ds:uri="http://schemas.microsoft.com/sharepoint/v3/contenttype/forms"/>
+    <ds:schemaRef ds:uri="http://schemas.microsoft.com/office/2006/metadata/contentType"/>
+    <ds:schemaRef ds:uri="http://schemas.microsoft.com/office/2006/metadata/properties/metaAttributes"/>
+    <ds:schemaRef ds:uri="http://www.w3.org/2001/XMLSchema"/>
+    <ds:schemaRef ds:uri="http://schemas.microsoft.com/office/2006/metadata/properties"/>
+    <ds:schemaRef ds:uri="630a2e83-186a-4a0f-ab27-bee8a8096abc"/>
+    <ds:schemaRef ds:uri="http://schemas.microsoft.com/office/2006/documentManagement/types"/>
+    <ds:schemaRef ds:uri="http://schemas.microsoft.com/office/infopath/2007/PartnerControls"/>
+    <ds:schemaRef ds:uri="http://schemas.openxmlformats.org/package/2006/metadata/core-properties"/>
+    <ds:schemaRef ds:uri="http://purl.org/dc/elements/1.1/"/>
+    <ds:schemaRef ds:uri="http://purl.org/dc/terms/"/>
+    <ds:schemaRef ds:uri="http://schemas.microsoft.com/internal/obd"/>
   </ds:schemaRefs>
 </ds:datastoreItem>
 </file>
@@ -15918,19 +16985,9 @@
 </file>
 
 <file path=customXml/itemProps3.xml><?xml version="1.0" encoding="utf-8"?>
-<ds:datastoreItem xmlns:ds="http://schemas.openxmlformats.org/officeDocument/2006/customXml" ds:itemID="{942678F0-6EA3-4F58-92F2-E73D80B53613}">
+<ds:datastoreItem xmlns:ds="http://schemas.openxmlformats.org/officeDocument/2006/customXml" ds:itemID="{758FDAC0-319D-4A54-8D8E-1D42CB1F8004}">
   <ds:schemaRefs>
-    <ds:schemaRef ds:uri="http://schemas.microsoft.com/office/2006/metadata/contentType"/>
-    <ds:schemaRef ds:uri="http://schemas.microsoft.com/office/2006/metadata/properties/metaAttributes"/>
-    <ds:schemaRef ds:uri="http://www.w3.org/2001/XMLSchema"/>
-    <ds:schemaRef ds:uri="http://schemas.microsoft.com/office/2006/metadata/properties"/>
-    <ds:schemaRef ds:uri="630a2e83-186a-4a0f-ab27-bee8a8096abc"/>
-    <ds:schemaRef ds:uri="http://schemas.microsoft.com/office/2006/documentManagement/types"/>
-    <ds:schemaRef ds:uri="http://schemas.microsoft.com/office/infopath/2007/PartnerControls"/>
-    <ds:schemaRef ds:uri="http://schemas.openxmlformats.org/package/2006/metadata/core-properties"/>
-    <ds:schemaRef ds:uri="http://purl.org/dc/elements/1.1/"/>
-    <ds:schemaRef ds:uri="http://purl.org/dc/terms/"/>
-    <ds:schemaRef ds:uri="http://schemas.microsoft.com/internal/obd"/>
+    <ds:schemaRef ds:uri="http://schemas.microsoft.com/sharepoint/v3/contenttype/forms"/>
   </ds:schemaRefs>
 </ds:datastoreItem>
 </file>